--- a/docs/architecture/dev.pptx
+++ b/docs/architecture/dev.pptx
@@ -3628,7 +3628,7 @@
         </p:nvGrpSpPr>
         <p:grpSpPr>
           <a:xfrm>
-            <a:off x="7374832" y="2969367"/>
+            <a:off x="8107070" y="2395737"/>
             <a:ext cx="2279650" cy="1040586"/>
             <a:chOff x="4956175" y="2908707"/>
             <a:chExt cx="2279650" cy="1040586"/>
@@ -3895,7 +3895,7 @@
         </p:nvGrpSpPr>
         <p:grpSpPr>
           <a:xfrm>
-            <a:off x="5214041" y="1199752"/>
+            <a:off x="5214041" y="620139"/>
             <a:ext cx="1939797" cy="898495"/>
             <a:chOff x="4974431" y="2909500"/>
             <a:chExt cx="2243137" cy="1038999"/>
@@ -4162,7 +4162,7 @@
         </p:nvGrpSpPr>
         <p:grpSpPr>
           <a:xfrm>
-            <a:off x="5433720" y="2967022"/>
+            <a:off x="6413362" y="2387409"/>
             <a:ext cx="2292350" cy="1038205"/>
             <a:chOff x="4949825" y="2909897"/>
             <a:chExt cx="2292350" cy="1038205"/>
@@ -4429,7 +4429,7 @@
         </p:nvGrpSpPr>
         <p:grpSpPr>
           <a:xfrm>
-            <a:off x="3691694" y="2955280"/>
+            <a:off x="4893330" y="2380465"/>
             <a:ext cx="2243137" cy="1038999"/>
             <a:chOff x="4974432" y="2909500"/>
             <a:chExt cx="2243137" cy="1038999"/>
@@ -4696,8 +4696,8 @@
         </p:nvGrpSpPr>
         <p:grpSpPr>
           <a:xfrm>
-            <a:off x="3498980" y="1026367"/>
-            <a:ext cx="6506740" cy="3209731"/>
+            <a:off x="1492898" y="446755"/>
+            <a:ext cx="8512822" cy="5057192"/>
             <a:chOff x="355600" y="1512745"/>
             <a:chExt cx="1765300" cy="890588"/>
           </a:xfrm>
@@ -4923,7 +4923,7 @@
           <p:spPr>
             <a:xfrm>
               <a:off x="355600" y="1512745"/>
-              <a:ext cx="90402" cy="90402"/>
+              <a:ext cx="90402" cy="73602"/>
             </a:xfrm>
             <a:prstGeom prst="rect">
               <a:avLst/>
@@ -4949,8 +4949,8 @@
         </p:nvCxnSpPr>
         <p:spPr>
           <a:xfrm>
-            <a:off x="5191881" y="3336280"/>
-            <a:ext cx="1000664" cy="11742"/>
+            <a:off x="6393517" y="2761465"/>
+            <a:ext cx="778670" cy="6944"/>
           </a:xfrm>
           <a:prstGeom prst="straightConnector1">
             <a:avLst/>
@@ -4994,8 +4994,8 @@
         </p:nvCxnSpPr>
         <p:spPr>
           <a:xfrm>
-            <a:off x="6954545" y="3348022"/>
-            <a:ext cx="1167999" cy="0"/>
+            <a:off x="7934187" y="2768409"/>
+            <a:ext cx="911070" cy="8329"/>
           </a:xfrm>
           <a:prstGeom prst="straightConnector1">
             <a:avLst/>
@@ -5044,7 +5044,7 @@
         </p:blipFill>
         <p:spPr>
           <a:xfrm>
-            <a:off x="3003035" y="2791329"/>
+            <a:off x="922585" y="3270139"/>
             <a:ext cx="852364" cy="1275342"/>
           </a:xfrm>
           <a:prstGeom prst="rect">
@@ -5066,7 +5066,7 @@
         </p:nvGrpSpPr>
         <p:grpSpPr>
           <a:xfrm>
-            <a:off x="6556752" y="1172976"/>
+            <a:off x="6556752" y="593363"/>
             <a:ext cx="2058622" cy="954990"/>
             <a:chOff x="2249488" y="1182688"/>
             <a:chExt cx="2243137" cy="1040586"/>
@@ -5306,7 +5306,7 @@
         </p:nvGrpSpPr>
         <p:grpSpPr>
           <a:xfrm>
-            <a:off x="8122544" y="1189689"/>
+            <a:off x="8122544" y="610076"/>
             <a:ext cx="1971285" cy="1058142"/>
             <a:chOff x="6786563" y="1184275"/>
             <a:chExt cx="2279650" cy="1223665"/>
@@ -5532,6 +5532,1630 @@
           </p:txBody>
         </p:sp>
       </p:grpSp>
+      <p:grpSp>
+        <p:nvGrpSpPr>
+          <p:cNvPr id="4" name="グループ化 3">
+            <a:extLst>
+              <a:ext uri="{FF2B5EF4-FFF2-40B4-BE49-F238E27FC236}">
+                <a16:creationId xmlns:a16="http://schemas.microsoft.com/office/drawing/2014/main" id="{22DF75DC-0A1D-73AB-97C8-EF598AD3998C}"/>
+              </a:ext>
+            </a:extLst>
+          </p:cNvPr>
+          <p:cNvGrpSpPr/>
+          <p:nvPr/>
+        </p:nvGrpSpPr>
+        <p:grpSpPr>
+          <a:xfrm>
+            <a:off x="1213807" y="2387409"/>
+            <a:ext cx="2279650" cy="1040586"/>
+            <a:chOff x="6786563" y="1182688"/>
+            <a:chExt cx="2279650" cy="1040586"/>
+          </a:xfrm>
+        </p:grpSpPr>
+        <p:pic>
+          <p:nvPicPr>
+            <p:cNvPr id="2" name="Graphic 21" descr="Amazon Route 53 service icon.">
+              <a:extLst>
+                <a:ext uri="{FF2B5EF4-FFF2-40B4-BE49-F238E27FC236}">
+                  <a16:creationId xmlns:a16="http://schemas.microsoft.com/office/drawing/2014/main" id="{6C0D463D-F288-98BA-22B6-1EF7427E9D82}"/>
+                </a:ext>
+              </a:extLst>
+            </p:cNvPr>
+            <p:cNvPicPr>
+              <a:picLocks noChangeAspect="1" noChangeArrowheads="1"/>
+            </p:cNvPicPr>
+            <p:nvPr/>
+          </p:nvPicPr>
+          <p:blipFill>
+            <a:blip r:embed="rId17">
+              <a:extLst>
+                <a:ext uri="{96DAC541-7B7A-43D3-8B79-37D633B846F1}">
+                  <asvg:svgBlip xmlns:asvg="http://schemas.microsoft.com/office/drawing/2016/SVG/main" r:embed="rId18"/>
+                </a:ext>
+              </a:extLst>
+            </a:blip>
+            <a:srcRect/>
+            <a:stretch/>
+          </p:blipFill>
+          <p:spPr bwMode="auto">
+            <a:xfrm>
+              <a:off x="7534275" y="1182688"/>
+              <a:ext cx="762000" cy="762000"/>
+            </a:xfrm>
+            <a:prstGeom prst="rect">
+              <a:avLst/>
+            </a:prstGeom>
+            <a:noFill/>
+            <a:ln>
+              <a:noFill/>
+            </a:ln>
+            <a:extLst>
+              <a:ext uri="{909E8E84-426E-40DD-AFC4-6F175D3DCCD1}">
+                <a14:hiddenFill xmlns:a14="http://schemas.microsoft.com/office/drawing/2010/main">
+                  <a:solidFill>
+                    <a:srgbClr val="FFFFFF"/>
+                  </a:solidFill>
+                </a14:hiddenFill>
+              </a:ext>
+              <a:ext uri="{91240B29-F687-4F45-9708-019B960494DF}">
+                <a14:hiddenLine xmlns:a14="http://schemas.microsoft.com/office/drawing/2010/main" w="9525">
+                  <a:solidFill>
+                    <a:srgbClr val="000000"/>
+                  </a:solidFill>
+                  <a:miter lim="800000"/>
+                  <a:headEnd/>
+                  <a:tailEnd/>
+                </a14:hiddenLine>
+              </a:ext>
+            </a:extLst>
+          </p:spPr>
+        </p:pic>
+        <p:sp>
+          <p:nvSpPr>
+            <p:cNvPr id="3" name="TextBox 12">
+              <a:extLst>
+                <a:ext uri="{FF2B5EF4-FFF2-40B4-BE49-F238E27FC236}">
+                  <a16:creationId xmlns:a16="http://schemas.microsoft.com/office/drawing/2014/main" id="{D3AFAA55-1DBB-9AF6-A3B6-4BC89F55C1E8}"/>
+                </a:ext>
+              </a:extLst>
+            </p:cNvPr>
+            <p:cNvSpPr txBox="1">
+              <a:spLocks noChangeArrowheads="1"/>
+            </p:cNvSpPr>
+            <p:nvPr/>
+          </p:nvSpPr>
+          <p:spPr bwMode="auto">
+            <a:xfrm>
+              <a:off x="6786563" y="1946275"/>
+              <a:ext cx="2279650" cy="276999"/>
+            </a:xfrm>
+            <a:prstGeom prst="rect">
+              <a:avLst/>
+            </a:prstGeom>
+            <a:noFill/>
+            <a:ln>
+              <a:noFill/>
+            </a:ln>
+            <a:extLst>
+              <a:ext uri="{909E8E84-426E-40DD-AFC4-6F175D3DCCD1}">
+                <a14:hiddenFill xmlns:a14="http://schemas.microsoft.com/office/drawing/2010/main">
+                  <a:solidFill>
+                    <a:srgbClr val="FFFFFF"/>
+                  </a:solidFill>
+                </a14:hiddenFill>
+              </a:ext>
+              <a:ext uri="{91240B29-F687-4F45-9708-019B960494DF}">
+                <a14:hiddenLine xmlns:a14="http://schemas.microsoft.com/office/drawing/2010/main" w="9525">
+                  <a:solidFill>
+                    <a:srgbClr val="000000"/>
+                  </a:solidFill>
+                  <a:miter lim="800000"/>
+                  <a:headEnd/>
+                  <a:tailEnd/>
+                </a14:hiddenLine>
+              </a:ext>
+            </a:extLst>
+          </p:spPr>
+          <p:txBody>
+            <a:bodyPr>
+              <a:spAutoFit/>
+            </a:bodyPr>
+            <a:lstStyle>
+              <a:lvl1pPr>
+                <a:defRPr>
+                  <a:solidFill>
+                    <a:schemeClr val="tx1"/>
+                  </a:solidFill>
+                  <a:latin typeface="Calibri" panose="020F0502020204030204" pitchFamily="34" charset="0"/>
+                </a:defRPr>
+              </a:lvl1pPr>
+              <a:lvl2pPr marL="742950" indent="-285750">
+                <a:defRPr>
+                  <a:solidFill>
+                    <a:schemeClr val="tx1"/>
+                  </a:solidFill>
+                  <a:latin typeface="Calibri" panose="020F0502020204030204" pitchFamily="34" charset="0"/>
+                </a:defRPr>
+              </a:lvl2pPr>
+              <a:lvl3pPr marL="1143000" indent="-228600">
+                <a:defRPr>
+                  <a:solidFill>
+                    <a:schemeClr val="tx1"/>
+                  </a:solidFill>
+                  <a:latin typeface="Calibri" panose="020F0502020204030204" pitchFamily="34" charset="0"/>
+                </a:defRPr>
+              </a:lvl3pPr>
+              <a:lvl4pPr marL="1600200" indent="-228600">
+                <a:defRPr>
+                  <a:solidFill>
+                    <a:schemeClr val="tx1"/>
+                  </a:solidFill>
+                  <a:latin typeface="Calibri" panose="020F0502020204030204" pitchFamily="34" charset="0"/>
+                </a:defRPr>
+              </a:lvl4pPr>
+              <a:lvl5pPr marL="2057400" indent="-228600">
+                <a:defRPr>
+                  <a:solidFill>
+                    <a:schemeClr val="tx1"/>
+                  </a:solidFill>
+                  <a:latin typeface="Calibri" panose="020F0502020204030204" pitchFamily="34" charset="0"/>
+                </a:defRPr>
+              </a:lvl5pPr>
+              <a:lvl6pPr marL="2514600" indent="-228600" eaLnBrk="0" fontAlgn="base" hangingPunct="0">
+                <a:spcBef>
+                  <a:spcPct val="0"/>
+                </a:spcBef>
+                <a:spcAft>
+                  <a:spcPct val="0"/>
+                </a:spcAft>
+                <a:defRPr>
+                  <a:solidFill>
+                    <a:schemeClr val="tx1"/>
+                  </a:solidFill>
+                  <a:latin typeface="Calibri" panose="020F0502020204030204" pitchFamily="34" charset="0"/>
+                </a:defRPr>
+              </a:lvl6pPr>
+              <a:lvl7pPr marL="2971800" indent="-228600" eaLnBrk="0" fontAlgn="base" hangingPunct="0">
+                <a:spcBef>
+                  <a:spcPct val="0"/>
+                </a:spcBef>
+                <a:spcAft>
+                  <a:spcPct val="0"/>
+                </a:spcAft>
+                <a:defRPr>
+                  <a:solidFill>
+                    <a:schemeClr val="tx1"/>
+                  </a:solidFill>
+                  <a:latin typeface="Calibri" panose="020F0502020204030204" pitchFamily="34" charset="0"/>
+                </a:defRPr>
+              </a:lvl7pPr>
+              <a:lvl8pPr marL="3429000" indent="-228600" eaLnBrk="0" fontAlgn="base" hangingPunct="0">
+                <a:spcBef>
+                  <a:spcPct val="0"/>
+                </a:spcBef>
+                <a:spcAft>
+                  <a:spcPct val="0"/>
+                </a:spcAft>
+                <a:defRPr>
+                  <a:solidFill>
+                    <a:schemeClr val="tx1"/>
+                  </a:solidFill>
+                  <a:latin typeface="Calibri" panose="020F0502020204030204" pitchFamily="34" charset="0"/>
+                </a:defRPr>
+              </a:lvl8pPr>
+              <a:lvl9pPr marL="3886200" indent="-228600" eaLnBrk="0" fontAlgn="base" hangingPunct="0">
+                <a:spcBef>
+                  <a:spcPct val="0"/>
+                </a:spcBef>
+                <a:spcAft>
+                  <a:spcPct val="0"/>
+                </a:spcAft>
+                <a:defRPr>
+                  <a:solidFill>
+                    <a:schemeClr val="tx1"/>
+                  </a:solidFill>
+                  <a:latin typeface="Calibri" panose="020F0502020204030204" pitchFamily="34" charset="0"/>
+                </a:defRPr>
+              </a:lvl9pPr>
+            </a:lstStyle>
+            <a:p>
+              <a:pPr algn="ctr" eaLnBrk="1" hangingPunct="1"/>
+              <a:r>
+                <a:rPr lang="en-US" altLang="en-US" sz="1200" dirty="0">
+                  <a:latin typeface="Arial" panose="020B0604020202020204" pitchFamily="34" charset="0"/>
+                  <a:ea typeface="Amazon Ember" panose="020B0603020204020204" pitchFamily="34" charset="0"/>
+                  <a:cs typeface="Arial" panose="020B0604020202020204" pitchFamily="34" charset="0"/>
+                </a:rPr>
+                <a:t>Amazon Route 53</a:t>
+              </a:r>
+            </a:p>
+          </p:txBody>
+        </p:sp>
+      </p:grpSp>
+      <p:grpSp>
+        <p:nvGrpSpPr>
+          <p:cNvPr id="24" name="グループ化 23">
+            <a:extLst>
+              <a:ext uri="{FF2B5EF4-FFF2-40B4-BE49-F238E27FC236}">
+                <a16:creationId xmlns:a16="http://schemas.microsoft.com/office/drawing/2014/main" id="{A08170DF-83EE-4CEC-5423-3052F79EAF82}"/>
+              </a:ext>
+            </a:extLst>
+          </p:cNvPr>
+          <p:cNvGrpSpPr/>
+          <p:nvPr/>
+        </p:nvGrpSpPr>
+        <p:grpSpPr>
+          <a:xfrm>
+            <a:off x="3024765" y="2395738"/>
+            <a:ext cx="2292350" cy="1038999"/>
+            <a:chOff x="4487863" y="1184275"/>
+            <a:chExt cx="2292350" cy="1038999"/>
+          </a:xfrm>
+        </p:grpSpPr>
+        <p:pic>
+          <p:nvPicPr>
+            <p:cNvPr id="7" name="Graphic 19" descr="Amazon CloudFront service icon.">
+              <a:extLst>
+                <a:ext uri="{FF2B5EF4-FFF2-40B4-BE49-F238E27FC236}">
+                  <a16:creationId xmlns:a16="http://schemas.microsoft.com/office/drawing/2014/main" id="{3EAA16D1-7B5F-CBCB-7E94-614F3A11897A}"/>
+                </a:ext>
+              </a:extLst>
+            </p:cNvPr>
+            <p:cNvPicPr>
+              <a:picLocks noChangeAspect="1" noChangeArrowheads="1"/>
+            </p:cNvPicPr>
+            <p:nvPr/>
+          </p:nvPicPr>
+          <p:blipFill>
+            <a:blip r:embed="rId19">
+              <a:extLst>
+                <a:ext uri="{96DAC541-7B7A-43D3-8B79-37D633B846F1}">
+                  <asvg:svgBlip xmlns:asvg="http://schemas.microsoft.com/office/drawing/2016/SVG/main" r:embed="rId20"/>
+                </a:ext>
+              </a:extLst>
+            </a:blip>
+            <a:srcRect/>
+            <a:stretch/>
+          </p:blipFill>
+          <p:spPr bwMode="auto">
+            <a:xfrm>
+              <a:off x="5243513" y="1184275"/>
+              <a:ext cx="762000" cy="762000"/>
+            </a:xfrm>
+            <a:prstGeom prst="rect">
+              <a:avLst/>
+            </a:prstGeom>
+            <a:noFill/>
+            <a:ln>
+              <a:noFill/>
+            </a:ln>
+            <a:extLst>
+              <a:ext uri="{909E8E84-426E-40DD-AFC4-6F175D3DCCD1}">
+                <a14:hiddenFill xmlns:a14="http://schemas.microsoft.com/office/drawing/2010/main">
+                  <a:solidFill>
+                    <a:srgbClr val="FFFFFF"/>
+                  </a:solidFill>
+                </a14:hiddenFill>
+              </a:ext>
+              <a:ext uri="{91240B29-F687-4F45-9708-019B960494DF}">
+                <a14:hiddenLine xmlns:a14="http://schemas.microsoft.com/office/drawing/2010/main" w="9525">
+                  <a:solidFill>
+                    <a:srgbClr val="000000"/>
+                  </a:solidFill>
+                  <a:miter lim="800000"/>
+                  <a:headEnd/>
+                  <a:tailEnd/>
+                </a14:hiddenLine>
+              </a:ext>
+            </a:extLst>
+          </p:spPr>
+        </p:pic>
+        <p:sp>
+          <p:nvSpPr>
+            <p:cNvPr id="23" name="TextBox 11">
+              <a:extLst>
+                <a:ext uri="{FF2B5EF4-FFF2-40B4-BE49-F238E27FC236}">
+                  <a16:creationId xmlns:a16="http://schemas.microsoft.com/office/drawing/2014/main" id="{46A45EBA-49E1-2FE4-50EF-27EB0007503F}"/>
+                </a:ext>
+              </a:extLst>
+            </p:cNvPr>
+            <p:cNvSpPr txBox="1">
+              <a:spLocks noChangeArrowheads="1"/>
+            </p:cNvSpPr>
+            <p:nvPr/>
+          </p:nvSpPr>
+          <p:spPr bwMode="auto">
+            <a:xfrm>
+              <a:off x="4487863" y="1946275"/>
+              <a:ext cx="2292350" cy="276999"/>
+            </a:xfrm>
+            <a:prstGeom prst="rect">
+              <a:avLst/>
+            </a:prstGeom>
+            <a:noFill/>
+            <a:ln>
+              <a:noFill/>
+            </a:ln>
+            <a:extLst>
+              <a:ext uri="{909E8E84-426E-40DD-AFC4-6F175D3DCCD1}">
+                <a14:hiddenFill xmlns:a14="http://schemas.microsoft.com/office/drawing/2010/main">
+                  <a:solidFill>
+                    <a:srgbClr val="FFFFFF"/>
+                  </a:solidFill>
+                </a14:hiddenFill>
+              </a:ext>
+              <a:ext uri="{91240B29-F687-4F45-9708-019B960494DF}">
+                <a14:hiddenLine xmlns:a14="http://schemas.microsoft.com/office/drawing/2010/main" w="9525">
+                  <a:solidFill>
+                    <a:srgbClr val="000000"/>
+                  </a:solidFill>
+                  <a:miter lim="800000"/>
+                  <a:headEnd/>
+                  <a:tailEnd/>
+                </a14:hiddenLine>
+              </a:ext>
+            </a:extLst>
+          </p:spPr>
+          <p:txBody>
+            <a:bodyPr>
+              <a:spAutoFit/>
+            </a:bodyPr>
+            <a:lstStyle>
+              <a:lvl1pPr>
+                <a:defRPr>
+                  <a:solidFill>
+                    <a:schemeClr val="tx1"/>
+                  </a:solidFill>
+                  <a:latin typeface="Calibri" panose="020F0502020204030204" pitchFamily="34" charset="0"/>
+                </a:defRPr>
+              </a:lvl1pPr>
+              <a:lvl2pPr marL="742950" indent="-285750">
+                <a:defRPr>
+                  <a:solidFill>
+                    <a:schemeClr val="tx1"/>
+                  </a:solidFill>
+                  <a:latin typeface="Calibri" panose="020F0502020204030204" pitchFamily="34" charset="0"/>
+                </a:defRPr>
+              </a:lvl2pPr>
+              <a:lvl3pPr marL="1143000" indent="-228600">
+                <a:defRPr>
+                  <a:solidFill>
+                    <a:schemeClr val="tx1"/>
+                  </a:solidFill>
+                  <a:latin typeface="Calibri" panose="020F0502020204030204" pitchFamily="34" charset="0"/>
+                </a:defRPr>
+              </a:lvl3pPr>
+              <a:lvl4pPr marL="1600200" indent="-228600">
+                <a:defRPr>
+                  <a:solidFill>
+                    <a:schemeClr val="tx1"/>
+                  </a:solidFill>
+                  <a:latin typeface="Calibri" panose="020F0502020204030204" pitchFamily="34" charset="0"/>
+                </a:defRPr>
+              </a:lvl4pPr>
+              <a:lvl5pPr marL="2057400" indent="-228600">
+                <a:defRPr>
+                  <a:solidFill>
+                    <a:schemeClr val="tx1"/>
+                  </a:solidFill>
+                  <a:latin typeface="Calibri" panose="020F0502020204030204" pitchFamily="34" charset="0"/>
+                </a:defRPr>
+              </a:lvl5pPr>
+              <a:lvl6pPr marL="2514600" indent="-228600" eaLnBrk="0" fontAlgn="base" hangingPunct="0">
+                <a:spcBef>
+                  <a:spcPct val="0"/>
+                </a:spcBef>
+                <a:spcAft>
+                  <a:spcPct val="0"/>
+                </a:spcAft>
+                <a:defRPr>
+                  <a:solidFill>
+                    <a:schemeClr val="tx1"/>
+                  </a:solidFill>
+                  <a:latin typeface="Calibri" panose="020F0502020204030204" pitchFamily="34" charset="0"/>
+                </a:defRPr>
+              </a:lvl6pPr>
+              <a:lvl7pPr marL="2971800" indent="-228600" eaLnBrk="0" fontAlgn="base" hangingPunct="0">
+                <a:spcBef>
+                  <a:spcPct val="0"/>
+                </a:spcBef>
+                <a:spcAft>
+                  <a:spcPct val="0"/>
+                </a:spcAft>
+                <a:defRPr>
+                  <a:solidFill>
+                    <a:schemeClr val="tx1"/>
+                  </a:solidFill>
+                  <a:latin typeface="Calibri" panose="020F0502020204030204" pitchFamily="34" charset="0"/>
+                </a:defRPr>
+              </a:lvl7pPr>
+              <a:lvl8pPr marL="3429000" indent="-228600" eaLnBrk="0" fontAlgn="base" hangingPunct="0">
+                <a:spcBef>
+                  <a:spcPct val="0"/>
+                </a:spcBef>
+                <a:spcAft>
+                  <a:spcPct val="0"/>
+                </a:spcAft>
+                <a:defRPr>
+                  <a:solidFill>
+                    <a:schemeClr val="tx1"/>
+                  </a:solidFill>
+                  <a:latin typeface="Calibri" panose="020F0502020204030204" pitchFamily="34" charset="0"/>
+                </a:defRPr>
+              </a:lvl8pPr>
+              <a:lvl9pPr marL="3886200" indent="-228600" eaLnBrk="0" fontAlgn="base" hangingPunct="0">
+                <a:spcBef>
+                  <a:spcPct val="0"/>
+                </a:spcBef>
+                <a:spcAft>
+                  <a:spcPct val="0"/>
+                </a:spcAft>
+                <a:defRPr>
+                  <a:solidFill>
+                    <a:schemeClr val="tx1"/>
+                  </a:solidFill>
+                  <a:latin typeface="Calibri" panose="020F0502020204030204" pitchFamily="34" charset="0"/>
+                </a:defRPr>
+              </a:lvl9pPr>
+            </a:lstStyle>
+            <a:p>
+              <a:pPr algn="ctr" eaLnBrk="1" hangingPunct="1"/>
+              <a:r>
+                <a:rPr lang="en-US" altLang="en-US" sz="1200" dirty="0">
+                  <a:latin typeface="Arial" panose="020B0604020202020204" pitchFamily="34" charset="0"/>
+                  <a:ea typeface="Amazon Ember" panose="020B0603020204020204" pitchFamily="34" charset="0"/>
+                  <a:cs typeface="Arial" panose="020B0604020202020204" pitchFamily="34" charset="0"/>
+                </a:rPr>
+                <a:t>Amazon CloudFront</a:t>
+              </a:r>
+            </a:p>
+          </p:txBody>
+        </p:sp>
+      </p:grpSp>
+      <p:grpSp>
+        <p:nvGrpSpPr>
+          <p:cNvPr id="33" name="グループ化 32">
+            <a:extLst>
+              <a:ext uri="{FF2B5EF4-FFF2-40B4-BE49-F238E27FC236}">
+                <a16:creationId xmlns:a16="http://schemas.microsoft.com/office/drawing/2014/main" id="{58FF7A09-224C-B0AC-B55F-AAA9FCF574BC}"/>
+              </a:ext>
+            </a:extLst>
+          </p:cNvPr>
+          <p:cNvGrpSpPr/>
+          <p:nvPr/>
+        </p:nvGrpSpPr>
+        <p:grpSpPr>
+          <a:xfrm>
+            <a:off x="1202694" y="4186367"/>
+            <a:ext cx="2279650" cy="1040586"/>
+            <a:chOff x="6786563" y="1182688"/>
+            <a:chExt cx="2279650" cy="1040586"/>
+          </a:xfrm>
+        </p:grpSpPr>
+        <p:pic>
+          <p:nvPicPr>
+            <p:cNvPr id="34" name="Graphic 21" descr="Amazon Route 53 service icon.">
+              <a:extLst>
+                <a:ext uri="{FF2B5EF4-FFF2-40B4-BE49-F238E27FC236}">
+                  <a16:creationId xmlns:a16="http://schemas.microsoft.com/office/drawing/2014/main" id="{E4413A02-49D9-A215-5D00-9A6AFD5906B9}"/>
+                </a:ext>
+              </a:extLst>
+            </p:cNvPr>
+            <p:cNvPicPr>
+              <a:picLocks noChangeAspect="1" noChangeArrowheads="1"/>
+            </p:cNvPicPr>
+            <p:nvPr/>
+          </p:nvPicPr>
+          <p:blipFill>
+            <a:blip r:embed="rId17">
+              <a:extLst>
+                <a:ext uri="{96DAC541-7B7A-43D3-8B79-37D633B846F1}">
+                  <asvg:svgBlip xmlns:asvg="http://schemas.microsoft.com/office/drawing/2016/SVG/main" r:embed="rId18"/>
+                </a:ext>
+              </a:extLst>
+            </a:blip>
+            <a:srcRect/>
+            <a:stretch/>
+          </p:blipFill>
+          <p:spPr bwMode="auto">
+            <a:xfrm>
+              <a:off x="7534275" y="1182688"/>
+              <a:ext cx="762000" cy="762000"/>
+            </a:xfrm>
+            <a:prstGeom prst="rect">
+              <a:avLst/>
+            </a:prstGeom>
+            <a:noFill/>
+            <a:ln>
+              <a:noFill/>
+            </a:ln>
+            <a:extLst>
+              <a:ext uri="{909E8E84-426E-40DD-AFC4-6F175D3DCCD1}">
+                <a14:hiddenFill xmlns:a14="http://schemas.microsoft.com/office/drawing/2010/main">
+                  <a:solidFill>
+                    <a:srgbClr val="FFFFFF"/>
+                  </a:solidFill>
+                </a14:hiddenFill>
+              </a:ext>
+              <a:ext uri="{91240B29-F687-4F45-9708-019B960494DF}">
+                <a14:hiddenLine xmlns:a14="http://schemas.microsoft.com/office/drawing/2010/main" w="9525">
+                  <a:solidFill>
+                    <a:srgbClr val="000000"/>
+                  </a:solidFill>
+                  <a:miter lim="800000"/>
+                  <a:headEnd/>
+                  <a:tailEnd/>
+                </a14:hiddenLine>
+              </a:ext>
+            </a:extLst>
+          </p:spPr>
+        </p:pic>
+        <p:sp>
+          <p:nvSpPr>
+            <p:cNvPr id="35" name="TextBox 12">
+              <a:extLst>
+                <a:ext uri="{FF2B5EF4-FFF2-40B4-BE49-F238E27FC236}">
+                  <a16:creationId xmlns:a16="http://schemas.microsoft.com/office/drawing/2014/main" id="{982051DC-1347-28D9-0D93-2C14D26CF3ED}"/>
+                </a:ext>
+              </a:extLst>
+            </p:cNvPr>
+            <p:cNvSpPr txBox="1">
+              <a:spLocks noChangeArrowheads="1"/>
+            </p:cNvSpPr>
+            <p:nvPr/>
+          </p:nvSpPr>
+          <p:spPr bwMode="auto">
+            <a:xfrm>
+              <a:off x="6786563" y="1946275"/>
+              <a:ext cx="2279650" cy="276999"/>
+            </a:xfrm>
+            <a:prstGeom prst="rect">
+              <a:avLst/>
+            </a:prstGeom>
+            <a:noFill/>
+            <a:ln>
+              <a:noFill/>
+            </a:ln>
+            <a:extLst>
+              <a:ext uri="{909E8E84-426E-40DD-AFC4-6F175D3DCCD1}">
+                <a14:hiddenFill xmlns:a14="http://schemas.microsoft.com/office/drawing/2010/main">
+                  <a:solidFill>
+                    <a:srgbClr val="FFFFFF"/>
+                  </a:solidFill>
+                </a14:hiddenFill>
+              </a:ext>
+              <a:ext uri="{91240B29-F687-4F45-9708-019B960494DF}">
+                <a14:hiddenLine xmlns:a14="http://schemas.microsoft.com/office/drawing/2010/main" w="9525">
+                  <a:solidFill>
+                    <a:srgbClr val="000000"/>
+                  </a:solidFill>
+                  <a:miter lim="800000"/>
+                  <a:headEnd/>
+                  <a:tailEnd/>
+                </a14:hiddenLine>
+              </a:ext>
+            </a:extLst>
+          </p:spPr>
+          <p:txBody>
+            <a:bodyPr>
+              <a:spAutoFit/>
+            </a:bodyPr>
+            <a:lstStyle>
+              <a:lvl1pPr>
+                <a:defRPr>
+                  <a:solidFill>
+                    <a:schemeClr val="tx1"/>
+                  </a:solidFill>
+                  <a:latin typeface="Calibri" panose="020F0502020204030204" pitchFamily="34" charset="0"/>
+                </a:defRPr>
+              </a:lvl1pPr>
+              <a:lvl2pPr marL="742950" indent="-285750">
+                <a:defRPr>
+                  <a:solidFill>
+                    <a:schemeClr val="tx1"/>
+                  </a:solidFill>
+                  <a:latin typeface="Calibri" panose="020F0502020204030204" pitchFamily="34" charset="0"/>
+                </a:defRPr>
+              </a:lvl2pPr>
+              <a:lvl3pPr marL="1143000" indent="-228600">
+                <a:defRPr>
+                  <a:solidFill>
+                    <a:schemeClr val="tx1"/>
+                  </a:solidFill>
+                  <a:latin typeface="Calibri" panose="020F0502020204030204" pitchFamily="34" charset="0"/>
+                </a:defRPr>
+              </a:lvl3pPr>
+              <a:lvl4pPr marL="1600200" indent="-228600">
+                <a:defRPr>
+                  <a:solidFill>
+                    <a:schemeClr val="tx1"/>
+                  </a:solidFill>
+                  <a:latin typeface="Calibri" panose="020F0502020204030204" pitchFamily="34" charset="0"/>
+                </a:defRPr>
+              </a:lvl4pPr>
+              <a:lvl5pPr marL="2057400" indent="-228600">
+                <a:defRPr>
+                  <a:solidFill>
+                    <a:schemeClr val="tx1"/>
+                  </a:solidFill>
+                  <a:latin typeface="Calibri" panose="020F0502020204030204" pitchFamily="34" charset="0"/>
+                </a:defRPr>
+              </a:lvl5pPr>
+              <a:lvl6pPr marL="2514600" indent="-228600" eaLnBrk="0" fontAlgn="base" hangingPunct="0">
+                <a:spcBef>
+                  <a:spcPct val="0"/>
+                </a:spcBef>
+                <a:spcAft>
+                  <a:spcPct val="0"/>
+                </a:spcAft>
+                <a:defRPr>
+                  <a:solidFill>
+                    <a:schemeClr val="tx1"/>
+                  </a:solidFill>
+                  <a:latin typeface="Calibri" panose="020F0502020204030204" pitchFamily="34" charset="0"/>
+                </a:defRPr>
+              </a:lvl6pPr>
+              <a:lvl7pPr marL="2971800" indent="-228600" eaLnBrk="0" fontAlgn="base" hangingPunct="0">
+                <a:spcBef>
+                  <a:spcPct val="0"/>
+                </a:spcBef>
+                <a:spcAft>
+                  <a:spcPct val="0"/>
+                </a:spcAft>
+                <a:defRPr>
+                  <a:solidFill>
+                    <a:schemeClr val="tx1"/>
+                  </a:solidFill>
+                  <a:latin typeface="Calibri" panose="020F0502020204030204" pitchFamily="34" charset="0"/>
+                </a:defRPr>
+              </a:lvl7pPr>
+              <a:lvl8pPr marL="3429000" indent="-228600" eaLnBrk="0" fontAlgn="base" hangingPunct="0">
+                <a:spcBef>
+                  <a:spcPct val="0"/>
+                </a:spcBef>
+                <a:spcAft>
+                  <a:spcPct val="0"/>
+                </a:spcAft>
+                <a:defRPr>
+                  <a:solidFill>
+                    <a:schemeClr val="tx1"/>
+                  </a:solidFill>
+                  <a:latin typeface="Calibri" panose="020F0502020204030204" pitchFamily="34" charset="0"/>
+                </a:defRPr>
+              </a:lvl8pPr>
+              <a:lvl9pPr marL="3886200" indent="-228600" eaLnBrk="0" fontAlgn="base" hangingPunct="0">
+                <a:spcBef>
+                  <a:spcPct val="0"/>
+                </a:spcBef>
+                <a:spcAft>
+                  <a:spcPct val="0"/>
+                </a:spcAft>
+                <a:defRPr>
+                  <a:solidFill>
+                    <a:schemeClr val="tx1"/>
+                  </a:solidFill>
+                  <a:latin typeface="Calibri" panose="020F0502020204030204" pitchFamily="34" charset="0"/>
+                </a:defRPr>
+              </a:lvl9pPr>
+            </a:lstStyle>
+            <a:p>
+              <a:pPr algn="ctr" eaLnBrk="1" hangingPunct="1"/>
+              <a:r>
+                <a:rPr lang="en-US" altLang="en-US" sz="1200" dirty="0">
+                  <a:latin typeface="Arial" panose="020B0604020202020204" pitchFamily="34" charset="0"/>
+                  <a:ea typeface="Amazon Ember" panose="020B0603020204020204" pitchFamily="34" charset="0"/>
+                  <a:cs typeface="Arial" panose="020B0604020202020204" pitchFamily="34" charset="0"/>
+                </a:rPr>
+                <a:t>Amazon Route 53</a:t>
+              </a:r>
+            </a:p>
+          </p:txBody>
+        </p:sp>
+      </p:grpSp>
+      <p:grpSp>
+        <p:nvGrpSpPr>
+          <p:cNvPr id="36" name="グループ化 35">
+            <a:extLst>
+              <a:ext uri="{FF2B5EF4-FFF2-40B4-BE49-F238E27FC236}">
+                <a16:creationId xmlns:a16="http://schemas.microsoft.com/office/drawing/2014/main" id="{8E83E54F-DB25-49A3-7FA5-EB6EDB81142A}"/>
+              </a:ext>
+            </a:extLst>
+          </p:cNvPr>
+          <p:cNvGrpSpPr/>
+          <p:nvPr/>
+        </p:nvGrpSpPr>
+        <p:grpSpPr>
+          <a:xfrm>
+            <a:off x="3024765" y="4213021"/>
+            <a:ext cx="2292350" cy="1038999"/>
+            <a:chOff x="4487863" y="1184275"/>
+            <a:chExt cx="2292350" cy="1038999"/>
+          </a:xfrm>
+        </p:grpSpPr>
+        <p:pic>
+          <p:nvPicPr>
+            <p:cNvPr id="37" name="Graphic 19" descr="Amazon CloudFront service icon.">
+              <a:extLst>
+                <a:ext uri="{FF2B5EF4-FFF2-40B4-BE49-F238E27FC236}">
+                  <a16:creationId xmlns:a16="http://schemas.microsoft.com/office/drawing/2014/main" id="{6B10044D-8F1E-7D4E-31EF-5ED570E254F1}"/>
+                </a:ext>
+              </a:extLst>
+            </p:cNvPr>
+            <p:cNvPicPr>
+              <a:picLocks noChangeAspect="1" noChangeArrowheads="1"/>
+            </p:cNvPicPr>
+            <p:nvPr/>
+          </p:nvPicPr>
+          <p:blipFill>
+            <a:blip r:embed="rId19">
+              <a:extLst>
+                <a:ext uri="{96DAC541-7B7A-43D3-8B79-37D633B846F1}">
+                  <asvg:svgBlip xmlns:asvg="http://schemas.microsoft.com/office/drawing/2016/SVG/main" r:embed="rId20"/>
+                </a:ext>
+              </a:extLst>
+            </a:blip>
+            <a:srcRect/>
+            <a:stretch/>
+          </p:blipFill>
+          <p:spPr bwMode="auto">
+            <a:xfrm>
+              <a:off x="5243513" y="1184275"/>
+              <a:ext cx="762000" cy="762000"/>
+            </a:xfrm>
+            <a:prstGeom prst="rect">
+              <a:avLst/>
+            </a:prstGeom>
+            <a:noFill/>
+            <a:ln>
+              <a:noFill/>
+            </a:ln>
+            <a:extLst>
+              <a:ext uri="{909E8E84-426E-40DD-AFC4-6F175D3DCCD1}">
+                <a14:hiddenFill xmlns:a14="http://schemas.microsoft.com/office/drawing/2010/main">
+                  <a:solidFill>
+                    <a:srgbClr val="FFFFFF"/>
+                  </a:solidFill>
+                </a14:hiddenFill>
+              </a:ext>
+              <a:ext uri="{91240B29-F687-4F45-9708-019B960494DF}">
+                <a14:hiddenLine xmlns:a14="http://schemas.microsoft.com/office/drawing/2010/main" w="9525">
+                  <a:solidFill>
+                    <a:srgbClr val="000000"/>
+                  </a:solidFill>
+                  <a:miter lim="800000"/>
+                  <a:headEnd/>
+                  <a:tailEnd/>
+                </a14:hiddenLine>
+              </a:ext>
+            </a:extLst>
+          </p:spPr>
+        </p:pic>
+        <p:sp>
+          <p:nvSpPr>
+            <p:cNvPr id="38" name="TextBox 11">
+              <a:extLst>
+                <a:ext uri="{FF2B5EF4-FFF2-40B4-BE49-F238E27FC236}">
+                  <a16:creationId xmlns:a16="http://schemas.microsoft.com/office/drawing/2014/main" id="{E4A6CD15-165A-465C-512D-A8C7A992423D}"/>
+                </a:ext>
+              </a:extLst>
+            </p:cNvPr>
+            <p:cNvSpPr txBox="1">
+              <a:spLocks noChangeArrowheads="1"/>
+            </p:cNvSpPr>
+            <p:nvPr/>
+          </p:nvSpPr>
+          <p:spPr bwMode="auto">
+            <a:xfrm>
+              <a:off x="4487863" y="1946275"/>
+              <a:ext cx="2292350" cy="276999"/>
+            </a:xfrm>
+            <a:prstGeom prst="rect">
+              <a:avLst/>
+            </a:prstGeom>
+            <a:noFill/>
+            <a:ln>
+              <a:noFill/>
+            </a:ln>
+            <a:extLst>
+              <a:ext uri="{909E8E84-426E-40DD-AFC4-6F175D3DCCD1}">
+                <a14:hiddenFill xmlns:a14="http://schemas.microsoft.com/office/drawing/2010/main">
+                  <a:solidFill>
+                    <a:srgbClr val="FFFFFF"/>
+                  </a:solidFill>
+                </a14:hiddenFill>
+              </a:ext>
+              <a:ext uri="{91240B29-F687-4F45-9708-019B960494DF}">
+                <a14:hiddenLine xmlns:a14="http://schemas.microsoft.com/office/drawing/2010/main" w="9525">
+                  <a:solidFill>
+                    <a:srgbClr val="000000"/>
+                  </a:solidFill>
+                  <a:miter lim="800000"/>
+                  <a:headEnd/>
+                  <a:tailEnd/>
+                </a14:hiddenLine>
+              </a:ext>
+            </a:extLst>
+          </p:spPr>
+          <p:txBody>
+            <a:bodyPr>
+              <a:spAutoFit/>
+            </a:bodyPr>
+            <a:lstStyle>
+              <a:lvl1pPr>
+                <a:defRPr>
+                  <a:solidFill>
+                    <a:schemeClr val="tx1"/>
+                  </a:solidFill>
+                  <a:latin typeface="Calibri" panose="020F0502020204030204" pitchFamily="34" charset="0"/>
+                </a:defRPr>
+              </a:lvl1pPr>
+              <a:lvl2pPr marL="742950" indent="-285750">
+                <a:defRPr>
+                  <a:solidFill>
+                    <a:schemeClr val="tx1"/>
+                  </a:solidFill>
+                  <a:latin typeface="Calibri" panose="020F0502020204030204" pitchFamily="34" charset="0"/>
+                </a:defRPr>
+              </a:lvl2pPr>
+              <a:lvl3pPr marL="1143000" indent="-228600">
+                <a:defRPr>
+                  <a:solidFill>
+                    <a:schemeClr val="tx1"/>
+                  </a:solidFill>
+                  <a:latin typeface="Calibri" panose="020F0502020204030204" pitchFamily="34" charset="0"/>
+                </a:defRPr>
+              </a:lvl3pPr>
+              <a:lvl4pPr marL="1600200" indent="-228600">
+                <a:defRPr>
+                  <a:solidFill>
+                    <a:schemeClr val="tx1"/>
+                  </a:solidFill>
+                  <a:latin typeface="Calibri" panose="020F0502020204030204" pitchFamily="34" charset="0"/>
+                </a:defRPr>
+              </a:lvl4pPr>
+              <a:lvl5pPr marL="2057400" indent="-228600">
+                <a:defRPr>
+                  <a:solidFill>
+                    <a:schemeClr val="tx1"/>
+                  </a:solidFill>
+                  <a:latin typeface="Calibri" panose="020F0502020204030204" pitchFamily="34" charset="0"/>
+                </a:defRPr>
+              </a:lvl5pPr>
+              <a:lvl6pPr marL="2514600" indent="-228600" eaLnBrk="0" fontAlgn="base" hangingPunct="0">
+                <a:spcBef>
+                  <a:spcPct val="0"/>
+                </a:spcBef>
+                <a:spcAft>
+                  <a:spcPct val="0"/>
+                </a:spcAft>
+                <a:defRPr>
+                  <a:solidFill>
+                    <a:schemeClr val="tx1"/>
+                  </a:solidFill>
+                  <a:latin typeface="Calibri" panose="020F0502020204030204" pitchFamily="34" charset="0"/>
+                </a:defRPr>
+              </a:lvl6pPr>
+              <a:lvl7pPr marL="2971800" indent="-228600" eaLnBrk="0" fontAlgn="base" hangingPunct="0">
+                <a:spcBef>
+                  <a:spcPct val="0"/>
+                </a:spcBef>
+                <a:spcAft>
+                  <a:spcPct val="0"/>
+                </a:spcAft>
+                <a:defRPr>
+                  <a:solidFill>
+                    <a:schemeClr val="tx1"/>
+                  </a:solidFill>
+                  <a:latin typeface="Calibri" panose="020F0502020204030204" pitchFamily="34" charset="0"/>
+                </a:defRPr>
+              </a:lvl7pPr>
+              <a:lvl8pPr marL="3429000" indent="-228600" eaLnBrk="0" fontAlgn="base" hangingPunct="0">
+                <a:spcBef>
+                  <a:spcPct val="0"/>
+                </a:spcBef>
+                <a:spcAft>
+                  <a:spcPct val="0"/>
+                </a:spcAft>
+                <a:defRPr>
+                  <a:solidFill>
+                    <a:schemeClr val="tx1"/>
+                  </a:solidFill>
+                  <a:latin typeface="Calibri" panose="020F0502020204030204" pitchFamily="34" charset="0"/>
+                </a:defRPr>
+              </a:lvl8pPr>
+              <a:lvl9pPr marL="3886200" indent="-228600" eaLnBrk="0" fontAlgn="base" hangingPunct="0">
+                <a:spcBef>
+                  <a:spcPct val="0"/>
+                </a:spcBef>
+                <a:spcAft>
+                  <a:spcPct val="0"/>
+                </a:spcAft>
+                <a:defRPr>
+                  <a:solidFill>
+                    <a:schemeClr val="tx1"/>
+                  </a:solidFill>
+                  <a:latin typeface="Calibri" panose="020F0502020204030204" pitchFamily="34" charset="0"/>
+                </a:defRPr>
+              </a:lvl9pPr>
+            </a:lstStyle>
+            <a:p>
+              <a:pPr algn="ctr" eaLnBrk="1" hangingPunct="1"/>
+              <a:r>
+                <a:rPr lang="en-US" altLang="en-US" sz="1200" dirty="0">
+                  <a:latin typeface="Arial" panose="020B0604020202020204" pitchFamily="34" charset="0"/>
+                  <a:ea typeface="Amazon Ember" panose="020B0603020204020204" pitchFamily="34" charset="0"/>
+                  <a:cs typeface="Arial" panose="020B0604020202020204" pitchFamily="34" charset="0"/>
+                </a:rPr>
+                <a:t>Amazon CloudFront</a:t>
+              </a:r>
+            </a:p>
+          </p:txBody>
+        </p:sp>
+      </p:grpSp>
+      <p:grpSp>
+        <p:nvGrpSpPr>
+          <p:cNvPr id="41" name="グループ化 40">
+            <a:extLst>
+              <a:ext uri="{FF2B5EF4-FFF2-40B4-BE49-F238E27FC236}">
+                <a16:creationId xmlns:a16="http://schemas.microsoft.com/office/drawing/2014/main" id="{C844ED87-5EDE-5F8F-F0F4-2D1A375B5F01}"/>
+              </a:ext>
+            </a:extLst>
+          </p:cNvPr>
+          <p:cNvGrpSpPr/>
+          <p:nvPr/>
+        </p:nvGrpSpPr>
+        <p:grpSpPr>
+          <a:xfrm>
+            <a:off x="5101078" y="4316881"/>
+            <a:ext cx="1382713" cy="935139"/>
+            <a:chOff x="2190750" y="4201714"/>
+            <a:chExt cx="1382713" cy="935139"/>
+          </a:xfrm>
+        </p:grpSpPr>
+        <p:pic>
+          <p:nvPicPr>
+            <p:cNvPr id="39" name="Graphic 86" descr="Bucket resource icon for the Amazon S3 service.">
+              <a:extLst>
+                <a:ext uri="{FF2B5EF4-FFF2-40B4-BE49-F238E27FC236}">
+                  <a16:creationId xmlns:a16="http://schemas.microsoft.com/office/drawing/2014/main" id="{0397063F-7668-D62F-A785-BD144FEC630A}"/>
+                </a:ext>
+              </a:extLst>
+            </p:cNvPr>
+            <p:cNvPicPr>
+              <a:picLocks noChangeAspect="1"/>
+            </p:cNvPicPr>
+            <p:nvPr/>
+          </p:nvPicPr>
+          <p:blipFill>
+            <a:blip r:embed="rId21">
+              <a:extLst>
+                <a:ext uri="{96DAC541-7B7A-43D3-8B79-37D633B846F1}">
+                  <asvg:svgBlip xmlns:asvg="http://schemas.microsoft.com/office/drawing/2016/SVG/main" r:embed="rId22"/>
+                </a:ext>
+              </a:extLst>
+            </a:blip>
+            <a:stretch>
+              <a:fillRect/>
+            </a:stretch>
+          </p:blipFill>
+          <p:spPr>
+            <a:xfrm>
+              <a:off x="2660928" y="4201714"/>
+              <a:ext cx="457200" cy="457200"/>
+            </a:xfrm>
+            <a:prstGeom prst="rect">
+              <a:avLst/>
+            </a:prstGeom>
+          </p:spPr>
+        </p:pic>
+        <p:sp>
+          <p:nvSpPr>
+            <p:cNvPr id="40" name="TextBox 21">
+              <a:extLst>
+                <a:ext uri="{FF2B5EF4-FFF2-40B4-BE49-F238E27FC236}">
+                  <a16:creationId xmlns:a16="http://schemas.microsoft.com/office/drawing/2014/main" id="{E5C7A420-E80A-807B-C89E-4AE43D29EC71}"/>
+                </a:ext>
+              </a:extLst>
+            </p:cNvPr>
+            <p:cNvSpPr txBox="1">
+              <a:spLocks noChangeArrowheads="1"/>
+            </p:cNvSpPr>
+            <p:nvPr/>
+          </p:nvSpPr>
+          <p:spPr bwMode="auto">
+            <a:xfrm>
+              <a:off x="2190750" y="4675188"/>
+              <a:ext cx="1382713" cy="461665"/>
+            </a:xfrm>
+            <a:prstGeom prst="rect">
+              <a:avLst/>
+            </a:prstGeom>
+            <a:noFill/>
+            <a:ln>
+              <a:noFill/>
+            </a:ln>
+            <a:extLst>
+              <a:ext uri="{909E8E84-426E-40DD-AFC4-6F175D3DCCD1}">
+                <a14:hiddenFill xmlns:a14="http://schemas.microsoft.com/office/drawing/2010/main">
+                  <a:solidFill>
+                    <a:srgbClr val="FFFFFF"/>
+                  </a:solidFill>
+                </a14:hiddenFill>
+              </a:ext>
+              <a:ext uri="{91240B29-F687-4F45-9708-019B960494DF}">
+                <a14:hiddenLine xmlns:a14="http://schemas.microsoft.com/office/drawing/2010/main" w="9525">
+                  <a:solidFill>
+                    <a:srgbClr val="000000"/>
+                  </a:solidFill>
+                  <a:miter lim="800000"/>
+                  <a:headEnd/>
+                  <a:tailEnd/>
+                </a14:hiddenLine>
+              </a:ext>
+            </a:extLst>
+          </p:spPr>
+          <p:txBody>
+            <a:bodyPr>
+              <a:spAutoFit/>
+            </a:bodyPr>
+            <a:lstStyle>
+              <a:lvl1pPr>
+                <a:defRPr>
+                  <a:solidFill>
+                    <a:schemeClr val="tx1"/>
+                  </a:solidFill>
+                  <a:latin typeface="Calibri" panose="020F0502020204030204" pitchFamily="34" charset="0"/>
+                </a:defRPr>
+              </a:lvl1pPr>
+              <a:lvl2pPr marL="742950" indent="-285750">
+                <a:defRPr>
+                  <a:solidFill>
+                    <a:schemeClr val="tx1"/>
+                  </a:solidFill>
+                  <a:latin typeface="Calibri" panose="020F0502020204030204" pitchFamily="34" charset="0"/>
+                </a:defRPr>
+              </a:lvl2pPr>
+              <a:lvl3pPr marL="1143000" indent="-228600">
+                <a:defRPr>
+                  <a:solidFill>
+                    <a:schemeClr val="tx1"/>
+                  </a:solidFill>
+                  <a:latin typeface="Calibri" panose="020F0502020204030204" pitchFamily="34" charset="0"/>
+                </a:defRPr>
+              </a:lvl3pPr>
+              <a:lvl4pPr marL="1600200" indent="-228600">
+                <a:defRPr>
+                  <a:solidFill>
+                    <a:schemeClr val="tx1"/>
+                  </a:solidFill>
+                  <a:latin typeface="Calibri" panose="020F0502020204030204" pitchFamily="34" charset="0"/>
+                </a:defRPr>
+              </a:lvl4pPr>
+              <a:lvl5pPr marL="2057400" indent="-228600">
+                <a:defRPr>
+                  <a:solidFill>
+                    <a:schemeClr val="tx1"/>
+                  </a:solidFill>
+                  <a:latin typeface="Calibri" panose="020F0502020204030204" pitchFamily="34" charset="0"/>
+                </a:defRPr>
+              </a:lvl5pPr>
+              <a:lvl6pPr marL="2514600" indent="-228600" eaLnBrk="0" fontAlgn="base" hangingPunct="0">
+                <a:spcBef>
+                  <a:spcPct val="0"/>
+                </a:spcBef>
+                <a:spcAft>
+                  <a:spcPct val="0"/>
+                </a:spcAft>
+                <a:defRPr>
+                  <a:solidFill>
+                    <a:schemeClr val="tx1"/>
+                  </a:solidFill>
+                  <a:latin typeface="Calibri" panose="020F0502020204030204" pitchFamily="34" charset="0"/>
+                </a:defRPr>
+              </a:lvl6pPr>
+              <a:lvl7pPr marL="2971800" indent="-228600" eaLnBrk="0" fontAlgn="base" hangingPunct="0">
+                <a:spcBef>
+                  <a:spcPct val="0"/>
+                </a:spcBef>
+                <a:spcAft>
+                  <a:spcPct val="0"/>
+                </a:spcAft>
+                <a:defRPr>
+                  <a:solidFill>
+                    <a:schemeClr val="tx1"/>
+                  </a:solidFill>
+                  <a:latin typeface="Calibri" panose="020F0502020204030204" pitchFamily="34" charset="0"/>
+                </a:defRPr>
+              </a:lvl7pPr>
+              <a:lvl8pPr marL="3429000" indent="-228600" eaLnBrk="0" fontAlgn="base" hangingPunct="0">
+                <a:spcBef>
+                  <a:spcPct val="0"/>
+                </a:spcBef>
+                <a:spcAft>
+                  <a:spcPct val="0"/>
+                </a:spcAft>
+                <a:defRPr>
+                  <a:solidFill>
+                    <a:schemeClr val="tx1"/>
+                  </a:solidFill>
+                  <a:latin typeface="Calibri" panose="020F0502020204030204" pitchFamily="34" charset="0"/>
+                </a:defRPr>
+              </a:lvl8pPr>
+              <a:lvl9pPr marL="3886200" indent="-228600" eaLnBrk="0" fontAlgn="base" hangingPunct="0">
+                <a:spcBef>
+                  <a:spcPct val="0"/>
+                </a:spcBef>
+                <a:spcAft>
+                  <a:spcPct val="0"/>
+                </a:spcAft>
+                <a:defRPr>
+                  <a:solidFill>
+                    <a:schemeClr val="tx1"/>
+                  </a:solidFill>
+                  <a:latin typeface="Calibri" panose="020F0502020204030204" pitchFamily="34" charset="0"/>
+                </a:defRPr>
+              </a:lvl9pPr>
+            </a:lstStyle>
+            <a:p>
+              <a:pPr algn="ctr" eaLnBrk="1" hangingPunct="1"/>
+              <a:r>
+                <a:rPr lang="en-US" altLang="en-US" sz="1200" dirty="0" err="1">
+                  <a:latin typeface="Arial" panose="020B0604020202020204" pitchFamily="34" charset="0"/>
+                  <a:ea typeface="Amazon Ember" panose="020B0603020204020204" pitchFamily="34" charset="0"/>
+                  <a:cs typeface="Arial" panose="020B0604020202020204" pitchFamily="34" charset="0"/>
+                </a:rPr>
+                <a:t>sunao</a:t>
+              </a:r>
+              <a:r>
+                <a:rPr lang="en-US" altLang="en-US" sz="1200" dirty="0">
+                  <a:latin typeface="Arial" panose="020B0604020202020204" pitchFamily="34" charset="0"/>
+                  <a:ea typeface="Amazon Ember" panose="020B0603020204020204" pitchFamily="34" charset="0"/>
+                  <a:cs typeface="Arial" panose="020B0604020202020204" pitchFamily="34" charset="0"/>
+                </a:rPr>
+                <a:t>-frontend-deployment-dev</a:t>
+              </a:r>
+            </a:p>
+          </p:txBody>
+        </p:sp>
+      </p:grpSp>
+      <p:pic>
+        <p:nvPicPr>
+          <p:cNvPr id="49" name="図 48">
+            <a:extLst>
+              <a:ext uri="{FF2B5EF4-FFF2-40B4-BE49-F238E27FC236}">
+                <a16:creationId xmlns:a16="http://schemas.microsoft.com/office/drawing/2014/main" id="{25B224AB-4B52-F670-F0CA-C69804FF2264}"/>
+              </a:ext>
+            </a:extLst>
+          </p:cNvPr>
+          <p:cNvPicPr>
+            <a:picLocks noChangeAspect="1"/>
+          </p:cNvPicPr>
+          <p:nvPr/>
+        </p:nvPicPr>
+        <p:blipFill>
+          <a:blip r:embed="rId23"/>
+          <a:stretch>
+            <a:fillRect/>
+          </a:stretch>
+        </p:blipFill>
+        <p:spPr>
+          <a:xfrm>
+            <a:off x="6483791" y="5747525"/>
+            <a:ext cx="830754" cy="830754"/>
+          </a:xfrm>
+          <a:prstGeom prst="rect">
+            <a:avLst/>
+          </a:prstGeom>
+        </p:spPr>
+      </p:pic>
+      <p:cxnSp>
+        <p:nvCxnSpPr>
+          <p:cNvPr id="51" name="コネクタ: カギ線 50">
+            <a:extLst>
+              <a:ext uri="{FF2B5EF4-FFF2-40B4-BE49-F238E27FC236}">
+                <a16:creationId xmlns:a16="http://schemas.microsoft.com/office/drawing/2014/main" id="{BE9FB336-AD21-EC72-93FF-EC507DA68F3D}"/>
+              </a:ext>
+            </a:extLst>
+          </p:cNvPr>
+          <p:cNvCxnSpPr>
+            <a:stCxn id="49" idx="1"/>
+            <a:endCxn id="40" idx="2"/>
+          </p:cNvCxnSpPr>
+          <p:nvPr/>
+        </p:nvCxnSpPr>
+        <p:spPr>
+          <a:xfrm rot="10800000">
+            <a:off x="5792435" y="5252020"/>
+            <a:ext cx="691356" cy="910882"/>
+          </a:xfrm>
+          <a:prstGeom prst="bentConnector2">
+            <a:avLst/>
+          </a:prstGeom>
+          <a:ln>
+            <a:solidFill>
+              <a:schemeClr val="tx1"/>
+            </a:solidFill>
+            <a:tailEnd type="triangle"/>
+          </a:ln>
+        </p:spPr>
+        <p:style>
+          <a:lnRef idx="2">
+            <a:schemeClr val="accent1"/>
+          </a:lnRef>
+          <a:fillRef idx="0">
+            <a:schemeClr val="accent1"/>
+          </a:fillRef>
+          <a:effectRef idx="1">
+            <a:schemeClr val="accent1"/>
+          </a:effectRef>
+          <a:fontRef idx="minor">
+            <a:schemeClr val="tx1"/>
+          </a:fontRef>
+        </p:style>
+      </p:cxnSp>
+      <p:grpSp>
+        <p:nvGrpSpPr>
+          <p:cNvPr id="52" name="グループ化 51">
+            <a:extLst>
+              <a:ext uri="{FF2B5EF4-FFF2-40B4-BE49-F238E27FC236}">
+                <a16:creationId xmlns:a16="http://schemas.microsoft.com/office/drawing/2014/main" id="{AB62E738-7305-AF85-3020-6A875A186B08}"/>
+              </a:ext>
+            </a:extLst>
+          </p:cNvPr>
+          <p:cNvGrpSpPr/>
+          <p:nvPr/>
+        </p:nvGrpSpPr>
+        <p:grpSpPr>
+          <a:xfrm>
+            <a:off x="8014355" y="3849311"/>
+            <a:ext cx="1382713" cy="935139"/>
+            <a:chOff x="2190750" y="4201714"/>
+            <a:chExt cx="1382713" cy="935139"/>
+          </a:xfrm>
+        </p:grpSpPr>
+        <p:pic>
+          <p:nvPicPr>
+            <p:cNvPr id="53" name="Graphic 86" descr="Bucket resource icon for the Amazon S3 service.">
+              <a:extLst>
+                <a:ext uri="{FF2B5EF4-FFF2-40B4-BE49-F238E27FC236}">
+                  <a16:creationId xmlns:a16="http://schemas.microsoft.com/office/drawing/2014/main" id="{8A07F814-66BE-BBBB-1D1D-40E2E352D591}"/>
+                </a:ext>
+              </a:extLst>
+            </p:cNvPr>
+            <p:cNvPicPr>
+              <a:picLocks noChangeAspect="1"/>
+            </p:cNvPicPr>
+            <p:nvPr/>
+          </p:nvPicPr>
+          <p:blipFill>
+            <a:blip r:embed="rId21">
+              <a:extLst>
+                <a:ext uri="{96DAC541-7B7A-43D3-8B79-37D633B846F1}">
+                  <asvg:svgBlip xmlns:asvg="http://schemas.microsoft.com/office/drawing/2016/SVG/main" r:embed="rId22"/>
+                </a:ext>
+              </a:extLst>
+            </a:blip>
+            <a:stretch>
+              <a:fillRect/>
+            </a:stretch>
+          </p:blipFill>
+          <p:spPr>
+            <a:xfrm>
+              <a:off x="2660928" y="4201714"/>
+              <a:ext cx="457200" cy="457200"/>
+            </a:xfrm>
+            <a:prstGeom prst="rect">
+              <a:avLst/>
+            </a:prstGeom>
+          </p:spPr>
+        </p:pic>
+        <p:sp>
+          <p:nvSpPr>
+            <p:cNvPr id="54" name="TextBox 21">
+              <a:extLst>
+                <a:ext uri="{FF2B5EF4-FFF2-40B4-BE49-F238E27FC236}">
+                  <a16:creationId xmlns:a16="http://schemas.microsoft.com/office/drawing/2014/main" id="{327EF53A-EFED-C4B6-06C8-6C1F32699756}"/>
+                </a:ext>
+              </a:extLst>
+            </p:cNvPr>
+            <p:cNvSpPr txBox="1">
+              <a:spLocks noChangeArrowheads="1"/>
+            </p:cNvSpPr>
+            <p:nvPr/>
+          </p:nvSpPr>
+          <p:spPr bwMode="auto">
+            <a:xfrm>
+              <a:off x="2190750" y="4675188"/>
+              <a:ext cx="1382713" cy="461665"/>
+            </a:xfrm>
+            <a:prstGeom prst="rect">
+              <a:avLst/>
+            </a:prstGeom>
+            <a:noFill/>
+            <a:ln>
+              <a:noFill/>
+            </a:ln>
+            <a:extLst>
+              <a:ext uri="{909E8E84-426E-40DD-AFC4-6F175D3DCCD1}">
+                <a14:hiddenFill xmlns:a14="http://schemas.microsoft.com/office/drawing/2010/main">
+                  <a:solidFill>
+                    <a:srgbClr val="FFFFFF"/>
+                  </a:solidFill>
+                </a14:hiddenFill>
+              </a:ext>
+              <a:ext uri="{91240B29-F687-4F45-9708-019B960494DF}">
+                <a14:hiddenLine xmlns:a14="http://schemas.microsoft.com/office/drawing/2010/main" w="9525">
+                  <a:solidFill>
+                    <a:srgbClr val="000000"/>
+                  </a:solidFill>
+                  <a:miter lim="800000"/>
+                  <a:headEnd/>
+                  <a:tailEnd/>
+                </a14:hiddenLine>
+              </a:ext>
+            </a:extLst>
+          </p:spPr>
+          <p:txBody>
+            <a:bodyPr>
+              <a:spAutoFit/>
+            </a:bodyPr>
+            <a:lstStyle>
+              <a:lvl1pPr>
+                <a:defRPr>
+                  <a:solidFill>
+                    <a:schemeClr val="tx1"/>
+                  </a:solidFill>
+                  <a:latin typeface="Calibri" panose="020F0502020204030204" pitchFamily="34" charset="0"/>
+                </a:defRPr>
+              </a:lvl1pPr>
+              <a:lvl2pPr marL="742950" indent="-285750">
+                <a:defRPr>
+                  <a:solidFill>
+                    <a:schemeClr val="tx1"/>
+                  </a:solidFill>
+                  <a:latin typeface="Calibri" panose="020F0502020204030204" pitchFamily="34" charset="0"/>
+                </a:defRPr>
+              </a:lvl2pPr>
+              <a:lvl3pPr marL="1143000" indent="-228600">
+                <a:defRPr>
+                  <a:solidFill>
+                    <a:schemeClr val="tx1"/>
+                  </a:solidFill>
+                  <a:latin typeface="Calibri" panose="020F0502020204030204" pitchFamily="34" charset="0"/>
+                </a:defRPr>
+              </a:lvl3pPr>
+              <a:lvl4pPr marL="1600200" indent="-228600">
+                <a:defRPr>
+                  <a:solidFill>
+                    <a:schemeClr val="tx1"/>
+                  </a:solidFill>
+                  <a:latin typeface="Calibri" panose="020F0502020204030204" pitchFamily="34" charset="0"/>
+                </a:defRPr>
+              </a:lvl4pPr>
+              <a:lvl5pPr marL="2057400" indent="-228600">
+                <a:defRPr>
+                  <a:solidFill>
+                    <a:schemeClr val="tx1"/>
+                  </a:solidFill>
+                  <a:latin typeface="Calibri" panose="020F0502020204030204" pitchFamily="34" charset="0"/>
+                </a:defRPr>
+              </a:lvl5pPr>
+              <a:lvl6pPr marL="2514600" indent="-228600" eaLnBrk="0" fontAlgn="base" hangingPunct="0">
+                <a:spcBef>
+                  <a:spcPct val="0"/>
+                </a:spcBef>
+                <a:spcAft>
+                  <a:spcPct val="0"/>
+                </a:spcAft>
+                <a:defRPr>
+                  <a:solidFill>
+                    <a:schemeClr val="tx1"/>
+                  </a:solidFill>
+                  <a:latin typeface="Calibri" panose="020F0502020204030204" pitchFamily="34" charset="0"/>
+                </a:defRPr>
+              </a:lvl6pPr>
+              <a:lvl7pPr marL="2971800" indent="-228600" eaLnBrk="0" fontAlgn="base" hangingPunct="0">
+                <a:spcBef>
+                  <a:spcPct val="0"/>
+                </a:spcBef>
+                <a:spcAft>
+                  <a:spcPct val="0"/>
+                </a:spcAft>
+                <a:defRPr>
+                  <a:solidFill>
+                    <a:schemeClr val="tx1"/>
+                  </a:solidFill>
+                  <a:latin typeface="Calibri" panose="020F0502020204030204" pitchFamily="34" charset="0"/>
+                </a:defRPr>
+              </a:lvl7pPr>
+              <a:lvl8pPr marL="3429000" indent="-228600" eaLnBrk="0" fontAlgn="base" hangingPunct="0">
+                <a:spcBef>
+                  <a:spcPct val="0"/>
+                </a:spcBef>
+                <a:spcAft>
+                  <a:spcPct val="0"/>
+                </a:spcAft>
+                <a:defRPr>
+                  <a:solidFill>
+                    <a:schemeClr val="tx1"/>
+                  </a:solidFill>
+                  <a:latin typeface="Calibri" panose="020F0502020204030204" pitchFamily="34" charset="0"/>
+                </a:defRPr>
+              </a:lvl8pPr>
+              <a:lvl9pPr marL="3886200" indent="-228600" eaLnBrk="0" fontAlgn="base" hangingPunct="0">
+                <a:spcBef>
+                  <a:spcPct val="0"/>
+                </a:spcBef>
+                <a:spcAft>
+                  <a:spcPct val="0"/>
+                </a:spcAft>
+                <a:defRPr>
+                  <a:solidFill>
+                    <a:schemeClr val="tx1"/>
+                  </a:solidFill>
+                  <a:latin typeface="Calibri" panose="020F0502020204030204" pitchFamily="34" charset="0"/>
+                </a:defRPr>
+              </a:lvl9pPr>
+            </a:lstStyle>
+            <a:p>
+              <a:pPr algn="ctr" eaLnBrk="1" hangingPunct="1"/>
+              <a:r>
+                <a:rPr lang="en-US" altLang="en-US" sz="1200" dirty="0" err="1">
+                  <a:latin typeface="Arial" panose="020B0604020202020204" pitchFamily="34" charset="0"/>
+                  <a:ea typeface="Amazon Ember" panose="020B0603020204020204" pitchFamily="34" charset="0"/>
+                  <a:cs typeface="Arial" panose="020B0604020202020204" pitchFamily="34" charset="0"/>
+                </a:rPr>
+                <a:t>sunao</a:t>
+              </a:r>
+              <a:r>
+                <a:rPr lang="en-US" altLang="en-US" sz="1200" dirty="0">
+                  <a:latin typeface="Arial" panose="020B0604020202020204" pitchFamily="34" charset="0"/>
+                  <a:ea typeface="Amazon Ember" panose="020B0603020204020204" pitchFamily="34" charset="0"/>
+                  <a:cs typeface="Arial" panose="020B0604020202020204" pitchFamily="34" charset="0"/>
+                </a:rPr>
+                <a:t>-</a:t>
+              </a:r>
+              <a:r>
+                <a:rPr lang="en-US" altLang="en-US" sz="1200" dirty="0" err="1">
+                  <a:latin typeface="Arial" panose="020B0604020202020204" pitchFamily="34" charset="0"/>
+                  <a:ea typeface="Amazon Ember" panose="020B0603020204020204" pitchFamily="34" charset="0"/>
+                  <a:cs typeface="Arial" panose="020B0604020202020204" pitchFamily="34" charset="0"/>
+                </a:rPr>
+                <a:t>api</a:t>
+              </a:r>
+              <a:r>
+                <a:rPr lang="en-US" altLang="en-US" sz="1200" dirty="0">
+                  <a:latin typeface="Arial" panose="020B0604020202020204" pitchFamily="34" charset="0"/>
+                  <a:ea typeface="Amazon Ember" panose="020B0603020204020204" pitchFamily="34" charset="0"/>
+                  <a:cs typeface="Arial" panose="020B0604020202020204" pitchFamily="34" charset="0"/>
+                </a:rPr>
+                <a:t>-deployment-dev</a:t>
+              </a:r>
+            </a:p>
+          </p:txBody>
+        </p:sp>
+      </p:grpSp>
+      <p:pic>
+        <p:nvPicPr>
+          <p:cNvPr id="55" name="図 54">
+            <a:extLst>
+              <a:ext uri="{FF2B5EF4-FFF2-40B4-BE49-F238E27FC236}">
+                <a16:creationId xmlns:a16="http://schemas.microsoft.com/office/drawing/2014/main" id="{E48C7468-5CFA-D053-F563-1A43300BF5E4}"/>
+              </a:ext>
+            </a:extLst>
+          </p:cNvPr>
+          <p:cNvPicPr>
+            <a:picLocks noChangeAspect="1"/>
+          </p:cNvPicPr>
+          <p:nvPr/>
+        </p:nvPicPr>
+        <p:blipFill>
+          <a:blip r:embed="rId23"/>
+          <a:stretch>
+            <a:fillRect/>
+          </a:stretch>
+        </p:blipFill>
+        <p:spPr>
+          <a:xfrm>
+            <a:off x="10367017" y="4130104"/>
+            <a:ext cx="830754" cy="830754"/>
+          </a:xfrm>
+          <a:prstGeom prst="rect">
+            <a:avLst/>
+          </a:prstGeom>
+        </p:spPr>
+      </p:pic>
+      <p:cxnSp>
+        <p:nvCxnSpPr>
+          <p:cNvPr id="56" name="コネクタ: カギ線 55">
+            <a:extLst>
+              <a:ext uri="{FF2B5EF4-FFF2-40B4-BE49-F238E27FC236}">
+                <a16:creationId xmlns:a16="http://schemas.microsoft.com/office/drawing/2014/main" id="{1A388752-122F-C202-D14F-CD19273F70E5}"/>
+              </a:ext>
+            </a:extLst>
+          </p:cNvPr>
+          <p:cNvCxnSpPr>
+            <a:cxnSpLocks/>
+            <a:stCxn id="54" idx="1"/>
+            <a:endCxn id="15" idx="2"/>
+          </p:cNvCxnSpPr>
+          <p:nvPr/>
+        </p:nvCxnSpPr>
+        <p:spPr>
+          <a:xfrm rot="10800000">
+            <a:off x="7559537" y="3425614"/>
+            <a:ext cx="454818" cy="1128004"/>
+          </a:xfrm>
+          <a:prstGeom prst="bentConnector2">
+            <a:avLst/>
+          </a:prstGeom>
+          <a:ln>
+            <a:solidFill>
+              <a:schemeClr val="tx1"/>
+            </a:solidFill>
+            <a:tailEnd type="triangle"/>
+          </a:ln>
+        </p:spPr>
+        <p:style>
+          <a:lnRef idx="2">
+            <a:schemeClr val="accent1"/>
+          </a:lnRef>
+          <a:fillRef idx="0">
+            <a:schemeClr val="accent1"/>
+          </a:fillRef>
+          <a:effectRef idx="1">
+            <a:schemeClr val="accent1"/>
+          </a:effectRef>
+          <a:fontRef idx="minor">
+            <a:schemeClr val="tx1"/>
+          </a:fontRef>
+        </p:style>
+      </p:cxnSp>
+      <p:cxnSp>
+        <p:nvCxnSpPr>
+          <p:cNvPr id="60" name="直線矢印コネクタ 59">
+            <a:extLst>
+              <a:ext uri="{FF2B5EF4-FFF2-40B4-BE49-F238E27FC236}">
+                <a16:creationId xmlns:a16="http://schemas.microsoft.com/office/drawing/2014/main" id="{144F2526-10EC-3101-1378-7AA40C93C4C9}"/>
+              </a:ext>
+            </a:extLst>
+          </p:cNvPr>
+          <p:cNvCxnSpPr>
+            <a:stCxn id="55" idx="1"/>
+            <a:endCxn id="54" idx="3"/>
+          </p:cNvCxnSpPr>
+          <p:nvPr/>
+        </p:nvCxnSpPr>
+        <p:spPr>
+          <a:xfrm flipH="1">
+            <a:off x="9397068" y="4545481"/>
+            <a:ext cx="969949" cy="8137"/>
+          </a:xfrm>
+          <a:prstGeom prst="straightConnector1">
+            <a:avLst/>
+          </a:prstGeom>
+          <a:ln>
+            <a:solidFill>
+              <a:schemeClr val="tx1"/>
+            </a:solidFill>
+            <a:tailEnd type="triangle"/>
+          </a:ln>
+        </p:spPr>
+        <p:style>
+          <a:lnRef idx="2">
+            <a:schemeClr val="accent1"/>
+          </a:lnRef>
+          <a:fillRef idx="0">
+            <a:schemeClr val="accent1"/>
+          </a:fillRef>
+          <a:effectRef idx="1">
+            <a:schemeClr val="accent1"/>
+          </a:effectRef>
+          <a:fontRef idx="minor">
+            <a:schemeClr val="tx1"/>
+          </a:fontRef>
+        </p:style>
+      </p:cxnSp>
     </p:spTree>
     <p:extLst>
       <p:ext uri="{BB962C8B-B14F-4D97-AF65-F5344CB8AC3E}">

--- a/docs/architecture/dev.pptx
+++ b/docs/architecture/dev.pptx
@@ -259,7 +259,7 @@
           <a:p>
             <a:fld id="{FAE5FFAC-AAE0-40DD-A8F2-55B2E4D6E535}" type="datetimeFigureOut">
               <a:rPr kumimoji="1" lang="ja-JP" altLang="en-US" smtClean="0"/>
-              <a:t>2024/3/14</a:t>
+              <a:t>2024/3/15</a:t>
             </a:fld>
             <a:endParaRPr kumimoji="1" lang="ja-JP" altLang="en-US"/>
           </a:p>
@@ -489,7 +489,7 @@
           <a:p>
             <a:fld id="{FAE5FFAC-AAE0-40DD-A8F2-55B2E4D6E535}" type="datetimeFigureOut">
               <a:rPr kumimoji="1" lang="ja-JP" altLang="en-US" smtClean="0"/>
-              <a:t>2024/3/14</a:t>
+              <a:t>2024/3/15</a:t>
             </a:fld>
             <a:endParaRPr kumimoji="1" lang="ja-JP" altLang="en-US"/>
           </a:p>
@@ -729,7 +729,7 @@
           <a:p>
             <a:fld id="{FAE5FFAC-AAE0-40DD-A8F2-55B2E4D6E535}" type="datetimeFigureOut">
               <a:rPr kumimoji="1" lang="ja-JP" altLang="en-US" smtClean="0"/>
-              <a:t>2024/3/14</a:t>
+              <a:t>2024/3/15</a:t>
             </a:fld>
             <a:endParaRPr kumimoji="1" lang="ja-JP" altLang="en-US"/>
           </a:p>
@@ -959,7 +959,7 @@
           <a:p>
             <a:fld id="{FAE5FFAC-AAE0-40DD-A8F2-55B2E4D6E535}" type="datetimeFigureOut">
               <a:rPr kumimoji="1" lang="ja-JP" altLang="en-US" smtClean="0"/>
-              <a:t>2024/3/14</a:t>
+              <a:t>2024/3/15</a:t>
             </a:fld>
             <a:endParaRPr kumimoji="1" lang="ja-JP" altLang="en-US"/>
           </a:p>
@@ -1234,7 +1234,7 @@
           <a:p>
             <a:fld id="{FAE5FFAC-AAE0-40DD-A8F2-55B2E4D6E535}" type="datetimeFigureOut">
               <a:rPr kumimoji="1" lang="ja-JP" altLang="en-US" smtClean="0"/>
-              <a:t>2024/3/14</a:t>
+              <a:t>2024/3/15</a:t>
             </a:fld>
             <a:endParaRPr kumimoji="1" lang="ja-JP" altLang="en-US"/>
           </a:p>
@@ -1563,7 +1563,7 @@
           <a:p>
             <a:fld id="{FAE5FFAC-AAE0-40DD-A8F2-55B2E4D6E535}" type="datetimeFigureOut">
               <a:rPr kumimoji="1" lang="ja-JP" altLang="en-US" smtClean="0"/>
-              <a:t>2024/3/14</a:t>
+              <a:t>2024/3/15</a:t>
             </a:fld>
             <a:endParaRPr kumimoji="1" lang="ja-JP" altLang="en-US"/>
           </a:p>
@@ -2039,7 +2039,7 @@
           <a:p>
             <a:fld id="{FAE5FFAC-AAE0-40DD-A8F2-55B2E4D6E535}" type="datetimeFigureOut">
               <a:rPr kumimoji="1" lang="ja-JP" altLang="en-US" smtClean="0"/>
-              <a:t>2024/3/14</a:t>
+              <a:t>2024/3/15</a:t>
             </a:fld>
             <a:endParaRPr kumimoji="1" lang="ja-JP" altLang="en-US"/>
           </a:p>
@@ -2180,7 +2180,7 @@
           <a:p>
             <a:fld id="{FAE5FFAC-AAE0-40DD-A8F2-55B2E4D6E535}" type="datetimeFigureOut">
               <a:rPr kumimoji="1" lang="ja-JP" altLang="en-US" smtClean="0"/>
-              <a:t>2024/3/14</a:t>
+              <a:t>2024/3/15</a:t>
             </a:fld>
             <a:endParaRPr kumimoji="1" lang="ja-JP" altLang="en-US"/>
           </a:p>
@@ -2293,7 +2293,7 @@
           <a:p>
             <a:fld id="{FAE5FFAC-AAE0-40DD-A8F2-55B2E4D6E535}" type="datetimeFigureOut">
               <a:rPr kumimoji="1" lang="ja-JP" altLang="en-US" smtClean="0"/>
-              <a:t>2024/3/14</a:t>
+              <a:t>2024/3/15</a:t>
             </a:fld>
             <a:endParaRPr kumimoji="1" lang="ja-JP" altLang="en-US"/>
           </a:p>
@@ -2636,7 +2636,7 @@
           <a:p>
             <a:fld id="{FAE5FFAC-AAE0-40DD-A8F2-55B2E4D6E535}" type="datetimeFigureOut">
               <a:rPr kumimoji="1" lang="ja-JP" altLang="en-US" smtClean="0"/>
-              <a:t>2024/3/14</a:t>
+              <a:t>2024/3/15</a:t>
             </a:fld>
             <a:endParaRPr kumimoji="1" lang="ja-JP" altLang="en-US"/>
           </a:p>
@@ -2924,7 +2924,7 @@
           <a:p>
             <a:fld id="{FAE5FFAC-AAE0-40DD-A8F2-55B2E4D6E535}" type="datetimeFigureOut">
               <a:rPr kumimoji="1" lang="ja-JP" altLang="en-US" smtClean="0"/>
-              <a:t>2024/3/14</a:t>
+              <a:t>2024/3/15</a:t>
             </a:fld>
             <a:endParaRPr kumimoji="1" lang="ja-JP" altLang="en-US"/>
           </a:p>
@@ -3197,7 +3197,7 @@
           <a:p>
             <a:fld id="{FAE5FFAC-AAE0-40DD-A8F2-55B2E4D6E535}" type="datetimeFigureOut">
               <a:rPr kumimoji="1" lang="ja-JP" altLang="en-US" smtClean="0"/>
-              <a:t>2024/3/14</a:t>
+              <a:t>2024/3/15</a:t>
             </a:fld>
             <a:endParaRPr kumimoji="1" lang="ja-JP" altLang="en-US"/>
           </a:p>
@@ -3628,10 +3628,10 @@
         </p:nvGrpSpPr>
         <p:grpSpPr>
           <a:xfrm>
-            <a:off x="8107070" y="2395737"/>
-            <a:ext cx="2279650" cy="1040586"/>
+            <a:off x="8142800" y="2123273"/>
+            <a:ext cx="1511543" cy="783302"/>
             <a:chOff x="4956175" y="2908707"/>
-            <a:chExt cx="2279650" cy="1040586"/>
+            <a:chExt cx="2279650" cy="1181346"/>
           </a:xfrm>
         </p:grpSpPr>
         <p:pic>
@@ -3709,7 +3709,7 @@
           <p:spPr bwMode="auto">
             <a:xfrm>
               <a:off x="4956175" y="3672294"/>
-              <a:ext cx="2279650" cy="276999"/>
+              <a:ext cx="2279650" cy="417759"/>
             </a:xfrm>
             <a:prstGeom prst="rect">
               <a:avLst/>
@@ -3875,7 +3875,7 @@
                   <a:ea typeface="Amazon Ember" panose="020B0603020204020204" pitchFamily="34" charset="0"/>
                   <a:cs typeface="Arial" panose="020B0604020202020204" pitchFamily="34" charset="0"/>
                 </a:rPr>
-                <a:t>Amazon DynamoDB</a:t>
+                <a:t>DynamoDB</a:t>
               </a:r>
             </a:p>
           </p:txBody>
@@ -3895,10 +3895,10 @@
         </p:nvGrpSpPr>
         <p:grpSpPr>
           <a:xfrm>
-            <a:off x="5214041" y="620139"/>
-            <a:ext cx="1939797" cy="898495"/>
+            <a:off x="7264087" y="610056"/>
+            <a:ext cx="1361404" cy="739471"/>
             <a:chOff x="4974431" y="2909500"/>
-            <a:chExt cx="2243137" cy="1038999"/>
+            <a:chExt cx="2243137" cy="1218401"/>
           </a:xfrm>
         </p:grpSpPr>
         <p:pic>
@@ -3975,8 +3975,8 @@
           </p:nvSpPr>
           <p:spPr bwMode="auto">
             <a:xfrm>
-              <a:off x="4974431" y="3671500"/>
-              <a:ext cx="2243137" cy="276999"/>
+              <a:off x="4974431" y="3671499"/>
+              <a:ext cx="2243137" cy="456402"/>
             </a:xfrm>
             <a:prstGeom prst="rect">
               <a:avLst/>
@@ -4142,7 +4142,7 @@
                   <a:ea typeface="Amazon Ember" panose="020B0603020204020204" pitchFamily="34" charset="0"/>
                   <a:cs typeface="Arial" panose="020B0604020202020204" pitchFamily="34" charset="0"/>
                 </a:rPr>
-                <a:t>Amazon CloudWatch</a:t>
+                <a:t>CloudWatch</a:t>
               </a:r>
             </a:p>
           </p:txBody>
@@ -4162,10 +4162,10 @@
         </p:nvGrpSpPr>
         <p:grpSpPr>
           <a:xfrm>
-            <a:off x="6413362" y="2387409"/>
-            <a:ext cx="2292350" cy="1038205"/>
+            <a:off x="6374421" y="2129718"/>
+            <a:ext cx="1519963" cy="781722"/>
             <a:chOff x="4949825" y="2909897"/>
-            <a:chExt cx="2292350" cy="1038205"/>
+            <a:chExt cx="2292350" cy="1178964"/>
           </a:xfrm>
         </p:grpSpPr>
         <p:pic>
@@ -4242,8 +4242,8 @@
           </p:nvSpPr>
           <p:spPr bwMode="auto">
             <a:xfrm>
-              <a:off x="4949825" y="3671103"/>
-              <a:ext cx="2292350" cy="276999"/>
+              <a:off x="4949825" y="3671102"/>
+              <a:ext cx="2292350" cy="417759"/>
             </a:xfrm>
             <a:prstGeom prst="rect">
               <a:avLst/>
@@ -4409,7 +4409,7 @@
                   <a:ea typeface="Amazon Ember" panose="020B0603020204020204" pitchFamily="34" charset="0"/>
                   <a:cs typeface="Arial" panose="020B0604020202020204" pitchFamily="34" charset="0"/>
                 </a:rPr>
-                <a:t>AWS Lambda</a:t>
+                <a:t>Lambda</a:t>
               </a:r>
             </a:p>
           </p:txBody>
@@ -4429,10 +4429,10 @@
         </p:nvGrpSpPr>
         <p:grpSpPr>
           <a:xfrm>
-            <a:off x="4893330" y="2380465"/>
-            <a:ext cx="2243137" cy="1038999"/>
+            <a:off x="4397629" y="2129191"/>
+            <a:ext cx="1487331" cy="782249"/>
             <a:chOff x="4974432" y="2909500"/>
-            <a:chExt cx="2243137" cy="1038999"/>
+            <a:chExt cx="2243137" cy="1179759"/>
           </a:xfrm>
         </p:grpSpPr>
         <p:pic>
@@ -4509,8 +4509,8 @@
           </p:nvSpPr>
           <p:spPr bwMode="auto">
             <a:xfrm>
-              <a:off x="4974432" y="3671500"/>
-              <a:ext cx="2243137" cy="276999"/>
+              <a:off x="4974432" y="3671499"/>
+              <a:ext cx="2243137" cy="417760"/>
             </a:xfrm>
             <a:prstGeom prst="rect">
               <a:avLst/>
@@ -4676,7 +4676,7 @@
                   <a:ea typeface="Amazon Ember" panose="020B0603020204020204" pitchFamily="34" charset="0"/>
                   <a:cs typeface="Arial" panose="020B0604020202020204" pitchFamily="34" charset="0"/>
                 </a:rPr>
-                <a:t>Amazon API Gateway</a:t>
+                <a:t>API Gateway</a:t>
               </a:r>
             </a:p>
           </p:txBody>
@@ -4949,8 +4949,8 @@
         </p:nvCxnSpPr>
         <p:spPr>
           <a:xfrm>
-            <a:off x="6393517" y="2761465"/>
-            <a:ext cx="778670" cy="6944"/>
+            <a:off x="5392341" y="2381816"/>
+            <a:ext cx="1485226" cy="528"/>
           </a:xfrm>
           <a:prstGeom prst="straightConnector1">
             <a:avLst/>
@@ -4989,13 +4989,14 @@
           <p:cNvCxnSpPr>
             <a:cxnSpLocks/>
             <a:stCxn id="14" idx="3"/>
+            <a:endCxn id="8" idx="1"/>
           </p:cNvCxnSpPr>
           <p:nvPr/>
         </p:nvCxnSpPr>
         <p:spPr>
-          <a:xfrm>
-            <a:off x="7934187" y="2768409"/>
-            <a:ext cx="911070" cy="8329"/>
+          <a:xfrm flipV="1">
+            <a:off x="7382818" y="2375899"/>
+            <a:ext cx="1255759" cy="6445"/>
           </a:xfrm>
           <a:prstGeom prst="straightConnector1">
             <a:avLst/>
@@ -5044,7 +5045,7 @@
         </p:blipFill>
         <p:spPr>
           <a:xfrm>
-            <a:off x="922585" y="3270139"/>
+            <a:off x="940462" y="3074613"/>
             <a:ext cx="852364" cy="1275342"/>
           </a:xfrm>
           <a:prstGeom prst="rect">
@@ -5066,10 +5067,10 @@
         </p:nvGrpSpPr>
         <p:grpSpPr>
           <a:xfrm>
-            <a:off x="6556752" y="593363"/>
-            <a:ext cx="2058622" cy="954990"/>
+            <a:off x="7990733" y="610076"/>
+            <a:ext cx="1444799" cy="768824"/>
             <a:chOff x="2249488" y="1182688"/>
-            <a:chExt cx="2243137" cy="1040586"/>
+            <a:chExt cx="2243137" cy="1193645"/>
           </a:xfrm>
         </p:grpSpPr>
         <p:pic>
@@ -5146,8 +5147,8 @@
           </p:nvSpPr>
           <p:spPr bwMode="auto">
             <a:xfrm>
-              <a:off x="2249488" y="1946275"/>
-              <a:ext cx="2243137" cy="276999"/>
+              <a:off x="2249488" y="1946276"/>
+              <a:ext cx="2243137" cy="430057"/>
             </a:xfrm>
             <a:prstGeom prst="rect">
               <a:avLst/>
@@ -5286,7 +5287,7 @@
                   <a:ea typeface="Amazon Ember" panose="020B0603020204020204" pitchFamily="34" charset="0"/>
                   <a:cs typeface="Arial" panose="020B0604020202020204" pitchFamily="34" charset="0"/>
                 </a:rPr>
-                <a:t>AWS X-Ray</a:t>
+                <a:t>X-Ray</a:t>
               </a:r>
             </a:p>
           </p:txBody>
@@ -5306,10 +5307,10 @@
         </p:nvGrpSpPr>
         <p:grpSpPr>
           <a:xfrm>
-            <a:off x="8122544" y="610076"/>
-            <a:ext cx="1971285" cy="1058142"/>
+            <a:off x="8710326" y="610076"/>
+            <a:ext cx="1383503" cy="739451"/>
             <a:chOff x="6786563" y="1184275"/>
-            <a:chExt cx="2279650" cy="1223665"/>
+            <a:chExt cx="2279650" cy="1218422"/>
           </a:xfrm>
         </p:grpSpPr>
         <p:pic>
@@ -5387,7 +5388,7 @@
           <p:spPr bwMode="auto">
             <a:xfrm>
               <a:off x="6786563" y="1946275"/>
-              <a:ext cx="2279650" cy="461665"/>
+              <a:ext cx="2279650" cy="456422"/>
             </a:xfrm>
             <a:prstGeom prst="rect">
               <a:avLst/>
@@ -5526,7 +5527,7 @@
                   <a:ea typeface="Amazon Ember" panose="020B0603020204020204" pitchFamily="34" charset="0"/>
                   <a:cs typeface="Arial" panose="020B0604020202020204" pitchFamily="34" charset="0"/>
                 </a:rPr>
-                <a:t>AWS Identity and Access Management (IAM)</a:t>
+                <a:t>IAM</a:t>
               </a:r>
             </a:p>
           </p:txBody>
@@ -5546,10 +5547,10 @@
         </p:nvGrpSpPr>
         <p:grpSpPr>
           <a:xfrm>
-            <a:off x="1213807" y="2387409"/>
-            <a:ext cx="2279650" cy="1040586"/>
+            <a:off x="1449085" y="2129191"/>
+            <a:ext cx="1511543" cy="783302"/>
             <a:chOff x="6786563" y="1182688"/>
-            <a:chExt cx="2279650" cy="1040586"/>
+            <a:chExt cx="2279650" cy="1181346"/>
           </a:xfrm>
         </p:grpSpPr>
         <p:pic>
@@ -5627,7 +5628,7 @@
           <p:spPr bwMode="auto">
             <a:xfrm>
               <a:off x="6786563" y="1946275"/>
-              <a:ext cx="2279650" cy="276999"/>
+              <a:ext cx="2279650" cy="417759"/>
             </a:xfrm>
             <a:prstGeom prst="rect">
               <a:avLst/>
@@ -5766,7 +5767,7 @@
                   <a:ea typeface="Amazon Ember" panose="020B0603020204020204" pitchFamily="34" charset="0"/>
                   <a:cs typeface="Arial" panose="020B0604020202020204" pitchFamily="34" charset="0"/>
                 </a:rPr>
-                <a:t>Amazon Route 53</a:t>
+                <a:t>Route 53</a:t>
               </a:r>
             </a:p>
           </p:txBody>
@@ -5786,10 +5787,10 @@
         </p:nvGrpSpPr>
         <p:grpSpPr>
           <a:xfrm>
-            <a:off x="3024765" y="2395738"/>
-            <a:ext cx="2292350" cy="1038999"/>
+            <a:off x="2910940" y="2129191"/>
+            <a:ext cx="1519962" cy="782249"/>
             <a:chOff x="4487863" y="1184275"/>
-            <a:chExt cx="2292350" cy="1038999"/>
+            <a:chExt cx="2292350" cy="1179759"/>
           </a:xfrm>
         </p:grpSpPr>
         <p:pic>
@@ -5866,8 +5867,8 @@
           </p:nvSpPr>
           <p:spPr bwMode="auto">
             <a:xfrm>
-              <a:off x="4487863" y="1946275"/>
-              <a:ext cx="2292350" cy="276999"/>
+              <a:off x="4487863" y="1946274"/>
+              <a:ext cx="2292350" cy="417760"/>
             </a:xfrm>
             <a:prstGeom prst="rect">
               <a:avLst/>
@@ -6006,7 +6007,7 @@
                   <a:ea typeface="Amazon Ember" panose="020B0603020204020204" pitchFamily="34" charset="0"/>
                   <a:cs typeface="Arial" panose="020B0604020202020204" pitchFamily="34" charset="0"/>
                 </a:rPr>
-                <a:t>Amazon CloudFront</a:t>
+                <a:t>CloudFront</a:t>
               </a:r>
             </a:p>
           </p:txBody>
@@ -6026,10 +6027,10 @@
         </p:nvGrpSpPr>
         <p:grpSpPr>
           <a:xfrm>
-            <a:off x="1202694" y="4186367"/>
-            <a:ext cx="2279650" cy="1040586"/>
+            <a:off x="1441715" y="3346802"/>
+            <a:ext cx="1511543" cy="783302"/>
             <a:chOff x="6786563" y="1182688"/>
-            <a:chExt cx="2279650" cy="1040586"/>
+            <a:chExt cx="2279650" cy="1181346"/>
           </a:xfrm>
         </p:grpSpPr>
         <p:pic>
@@ -6107,7 +6108,7 @@
           <p:spPr bwMode="auto">
             <a:xfrm>
               <a:off x="6786563" y="1946275"/>
-              <a:ext cx="2279650" cy="276999"/>
+              <a:ext cx="2279650" cy="417759"/>
             </a:xfrm>
             <a:prstGeom prst="rect">
               <a:avLst/>
@@ -6246,7 +6247,7 @@
                   <a:ea typeface="Amazon Ember" panose="020B0603020204020204" pitchFamily="34" charset="0"/>
                   <a:cs typeface="Arial" panose="020B0604020202020204" pitchFamily="34" charset="0"/>
                 </a:rPr>
-                <a:t>Amazon Route 53</a:t>
+                <a:t>Route 53</a:t>
               </a:r>
             </a:p>
           </p:txBody>
@@ -6266,10 +6267,10 @@
         </p:nvGrpSpPr>
         <p:grpSpPr>
           <a:xfrm>
-            <a:off x="3024765" y="4213021"/>
-            <a:ext cx="2292350" cy="1038999"/>
+            <a:off x="2904624" y="3346802"/>
+            <a:ext cx="1519962" cy="782249"/>
             <a:chOff x="4487863" y="1184275"/>
-            <a:chExt cx="2292350" cy="1038999"/>
+            <a:chExt cx="2292350" cy="1179759"/>
           </a:xfrm>
         </p:grpSpPr>
         <p:pic>
@@ -6346,8 +6347,8 @@
           </p:nvSpPr>
           <p:spPr bwMode="auto">
             <a:xfrm>
-              <a:off x="4487863" y="1946275"/>
-              <a:ext cx="2292350" cy="276999"/>
+              <a:off x="4487863" y="1946274"/>
+              <a:ext cx="2292350" cy="417760"/>
             </a:xfrm>
             <a:prstGeom prst="rect">
               <a:avLst/>
@@ -6486,7 +6487,7 @@
                   <a:ea typeface="Amazon Ember" panose="020B0603020204020204" pitchFamily="34" charset="0"/>
                   <a:cs typeface="Arial" panose="020B0604020202020204" pitchFamily="34" charset="0"/>
                 </a:rPr>
-                <a:t>Amazon CloudFront</a:t>
+                <a:t>CloudFront</a:t>
               </a:r>
             </a:p>
           </p:txBody>
@@ -6506,10 +6507,10 @@
         </p:nvGrpSpPr>
         <p:grpSpPr>
           <a:xfrm>
-            <a:off x="5101078" y="4316881"/>
-            <a:ext cx="1382713" cy="935139"/>
-            <a:chOff x="2190750" y="4201714"/>
-            <a:chExt cx="1382713" cy="935139"/>
+            <a:off x="4363322" y="3265163"/>
+            <a:ext cx="1592772" cy="775606"/>
+            <a:chOff x="1711180" y="4201714"/>
+            <a:chExt cx="2402158" cy="1169740"/>
           </a:xfrm>
         </p:grpSpPr>
         <p:pic>
@@ -6564,8 +6565,8 @@
           </p:nvSpPr>
           <p:spPr bwMode="auto">
             <a:xfrm>
-              <a:off x="2190750" y="4675188"/>
-              <a:ext cx="1382713" cy="461665"/>
+              <a:off x="1711180" y="4675188"/>
+              <a:ext cx="2402158" cy="696266"/>
             </a:xfrm>
             <a:prstGeom prst="rect">
               <a:avLst/>
@@ -6595,7 +6596,7 @@
             </a:extLst>
           </p:spPr>
           <p:txBody>
-            <a:bodyPr>
+            <a:bodyPr wrap="square">
               <a:spAutoFit/>
             </a:bodyPr>
             <a:lstStyle>
@@ -6740,8 +6741,8 @@
         </p:blipFill>
         <p:spPr>
           <a:xfrm>
-            <a:off x="6483791" y="5747525"/>
-            <a:ext cx="830754" cy="830754"/>
+            <a:off x="7423737" y="5745496"/>
+            <a:ext cx="550839" cy="550839"/>
           </a:xfrm>
           <a:prstGeom prst="rect">
             <a:avLst/>
@@ -6758,18 +6759,21 @@
             </a:extLst>
           </p:cNvPr>
           <p:cNvCxnSpPr>
+            <a:cxnSpLocks/>
             <a:stCxn id="49" idx="1"/>
-            <a:endCxn id="40" idx="2"/>
+            <a:endCxn id="40" idx="3"/>
           </p:cNvCxnSpPr>
           <p:nvPr/>
         </p:nvCxnSpPr>
         <p:spPr>
           <a:xfrm rot="10800000">
-            <a:off x="5792435" y="5252020"/>
-            <a:ext cx="691356" cy="910882"/>
+            <a:off x="5956095" y="3809938"/>
+            <a:ext cx="1467643" cy="2210979"/>
           </a:xfrm>
-          <a:prstGeom prst="bentConnector2">
-            <a:avLst/>
+          <a:prstGeom prst="bentConnector3">
+            <a:avLst>
+              <a:gd name="adj1" fmla="val 50000"/>
+            </a:avLst>
           </a:prstGeom>
           <a:ln>
             <a:solidFill>
@@ -6807,10 +6811,10 @@
         </p:nvGrpSpPr>
         <p:grpSpPr>
           <a:xfrm>
-            <a:off x="8014355" y="3849311"/>
-            <a:ext cx="1382713" cy="935139"/>
-            <a:chOff x="2190750" y="4201714"/>
-            <a:chExt cx="1382713" cy="935139"/>
+            <a:off x="7713070" y="3849311"/>
+            <a:ext cx="1511543" cy="775606"/>
+            <a:chOff x="1736363" y="4201714"/>
+            <a:chExt cx="2279652" cy="1169740"/>
           </a:xfrm>
         </p:grpSpPr>
         <p:pic>
@@ -6865,8 +6869,8 @@
           </p:nvSpPr>
           <p:spPr bwMode="auto">
             <a:xfrm>
-              <a:off x="2190750" y="4675188"/>
-              <a:ext cx="1382713" cy="461665"/>
+              <a:off x="1736363" y="4675188"/>
+              <a:ext cx="2279652" cy="696266"/>
             </a:xfrm>
             <a:prstGeom prst="rect">
               <a:avLst/>
@@ -6896,7 +6900,7 @@
             </a:extLst>
           </p:spPr>
           <p:txBody>
-            <a:bodyPr>
+            <a:bodyPr wrap="square">
               <a:spAutoFit/>
             </a:bodyPr>
             <a:lstStyle>
@@ -7057,8 +7061,8 @@
         </p:blipFill>
         <p:spPr>
           <a:xfrm>
-            <a:off x="10367017" y="4130104"/>
-            <a:ext cx="830754" cy="830754"/>
+            <a:off x="10385720" y="4129051"/>
+            <a:ext cx="550839" cy="550839"/>
           </a:xfrm>
           <a:prstGeom prst="rect">
             <a:avLst/>
@@ -7083,8 +7087,8 @@
         </p:nvCxnSpPr>
         <p:spPr>
           <a:xfrm rot="10800000">
-            <a:off x="7559537" y="3425614"/>
-            <a:ext cx="454818" cy="1128004"/>
+            <a:off x="7134404" y="2911441"/>
+            <a:ext cx="578667" cy="1482645"/>
           </a:xfrm>
           <a:prstGeom prst="bentConnector2">
             <a:avLst/>
@@ -7121,17 +7125,792 @@
             </a:extLst>
           </p:cNvPr>
           <p:cNvCxnSpPr>
+            <a:cxnSpLocks/>
             <a:stCxn id="55" idx="1"/>
             <a:endCxn id="54" idx="3"/>
           </p:cNvCxnSpPr>
           <p:nvPr/>
         </p:nvCxnSpPr>
         <p:spPr>
-          <a:xfrm flipH="1">
-            <a:off x="9397068" y="4545481"/>
-            <a:ext cx="969949" cy="8137"/>
+          <a:xfrm flipH="1" flipV="1">
+            <a:off x="9224613" y="4394085"/>
+            <a:ext cx="1161107" cy="10386"/>
           </a:xfrm>
           <a:prstGeom prst="straightConnector1">
+            <a:avLst/>
+          </a:prstGeom>
+          <a:ln>
+            <a:solidFill>
+              <a:schemeClr val="tx1"/>
+            </a:solidFill>
+            <a:tailEnd type="triangle"/>
+          </a:ln>
+        </p:spPr>
+        <p:style>
+          <a:lnRef idx="2">
+            <a:schemeClr val="accent1"/>
+          </a:lnRef>
+          <a:fillRef idx="0">
+            <a:schemeClr val="accent1"/>
+          </a:fillRef>
+          <a:effectRef idx="1">
+            <a:schemeClr val="accent1"/>
+          </a:effectRef>
+          <a:fontRef idx="minor">
+            <a:schemeClr val="tx1"/>
+          </a:fontRef>
+        </p:style>
+      </p:cxnSp>
+      <p:grpSp>
+        <p:nvGrpSpPr>
+          <p:cNvPr id="64" name="グループ化 63">
+            <a:extLst>
+              <a:ext uri="{FF2B5EF4-FFF2-40B4-BE49-F238E27FC236}">
+                <a16:creationId xmlns:a16="http://schemas.microsoft.com/office/drawing/2014/main" id="{9EDB37A8-CA90-EE07-2538-E3D56B209EFE}"/>
+              </a:ext>
+            </a:extLst>
+          </p:cNvPr>
+          <p:cNvGrpSpPr/>
+          <p:nvPr/>
+        </p:nvGrpSpPr>
+        <p:grpSpPr>
+          <a:xfrm>
+            <a:off x="1435035" y="4423592"/>
+            <a:ext cx="1511543" cy="783302"/>
+            <a:chOff x="6786563" y="1182688"/>
+            <a:chExt cx="2279650" cy="1181346"/>
+          </a:xfrm>
+        </p:grpSpPr>
+        <p:pic>
+          <p:nvPicPr>
+            <p:cNvPr id="65" name="Graphic 21" descr="Amazon Route 53 service icon.">
+              <a:extLst>
+                <a:ext uri="{FF2B5EF4-FFF2-40B4-BE49-F238E27FC236}">
+                  <a16:creationId xmlns:a16="http://schemas.microsoft.com/office/drawing/2014/main" id="{D1D96CFF-9936-D3AC-D78E-8A9AFEB5FC33}"/>
+                </a:ext>
+              </a:extLst>
+            </p:cNvPr>
+            <p:cNvPicPr>
+              <a:picLocks noChangeAspect="1" noChangeArrowheads="1"/>
+            </p:cNvPicPr>
+            <p:nvPr/>
+          </p:nvPicPr>
+          <p:blipFill>
+            <a:blip r:embed="rId17">
+              <a:extLst>
+                <a:ext uri="{96DAC541-7B7A-43D3-8B79-37D633B846F1}">
+                  <asvg:svgBlip xmlns:asvg="http://schemas.microsoft.com/office/drawing/2016/SVG/main" r:embed="rId18"/>
+                </a:ext>
+              </a:extLst>
+            </a:blip>
+            <a:srcRect/>
+            <a:stretch/>
+          </p:blipFill>
+          <p:spPr bwMode="auto">
+            <a:xfrm>
+              <a:off x="7534275" y="1182688"/>
+              <a:ext cx="762000" cy="762000"/>
+            </a:xfrm>
+            <a:prstGeom prst="rect">
+              <a:avLst/>
+            </a:prstGeom>
+            <a:noFill/>
+            <a:ln>
+              <a:noFill/>
+            </a:ln>
+            <a:extLst>
+              <a:ext uri="{909E8E84-426E-40DD-AFC4-6F175D3DCCD1}">
+                <a14:hiddenFill xmlns:a14="http://schemas.microsoft.com/office/drawing/2010/main">
+                  <a:solidFill>
+                    <a:srgbClr val="FFFFFF"/>
+                  </a:solidFill>
+                </a14:hiddenFill>
+              </a:ext>
+              <a:ext uri="{91240B29-F687-4F45-9708-019B960494DF}">
+                <a14:hiddenLine xmlns:a14="http://schemas.microsoft.com/office/drawing/2010/main" w="9525">
+                  <a:solidFill>
+                    <a:srgbClr val="000000"/>
+                  </a:solidFill>
+                  <a:miter lim="800000"/>
+                  <a:headEnd/>
+                  <a:tailEnd/>
+                </a14:hiddenLine>
+              </a:ext>
+            </a:extLst>
+          </p:spPr>
+        </p:pic>
+        <p:sp>
+          <p:nvSpPr>
+            <p:cNvPr id="66" name="TextBox 12">
+              <a:extLst>
+                <a:ext uri="{FF2B5EF4-FFF2-40B4-BE49-F238E27FC236}">
+                  <a16:creationId xmlns:a16="http://schemas.microsoft.com/office/drawing/2014/main" id="{51DA0B28-FA67-7319-290A-28270A55BDE6}"/>
+                </a:ext>
+              </a:extLst>
+            </p:cNvPr>
+            <p:cNvSpPr txBox="1">
+              <a:spLocks noChangeArrowheads="1"/>
+            </p:cNvSpPr>
+            <p:nvPr/>
+          </p:nvSpPr>
+          <p:spPr bwMode="auto">
+            <a:xfrm>
+              <a:off x="6786563" y="1946275"/>
+              <a:ext cx="2279650" cy="417759"/>
+            </a:xfrm>
+            <a:prstGeom prst="rect">
+              <a:avLst/>
+            </a:prstGeom>
+            <a:noFill/>
+            <a:ln>
+              <a:noFill/>
+            </a:ln>
+            <a:extLst>
+              <a:ext uri="{909E8E84-426E-40DD-AFC4-6F175D3DCCD1}">
+                <a14:hiddenFill xmlns:a14="http://schemas.microsoft.com/office/drawing/2010/main">
+                  <a:solidFill>
+                    <a:srgbClr val="FFFFFF"/>
+                  </a:solidFill>
+                </a14:hiddenFill>
+              </a:ext>
+              <a:ext uri="{91240B29-F687-4F45-9708-019B960494DF}">
+                <a14:hiddenLine xmlns:a14="http://schemas.microsoft.com/office/drawing/2010/main" w="9525">
+                  <a:solidFill>
+                    <a:srgbClr val="000000"/>
+                  </a:solidFill>
+                  <a:miter lim="800000"/>
+                  <a:headEnd/>
+                  <a:tailEnd/>
+                </a14:hiddenLine>
+              </a:ext>
+            </a:extLst>
+          </p:spPr>
+          <p:txBody>
+            <a:bodyPr>
+              <a:spAutoFit/>
+            </a:bodyPr>
+            <a:lstStyle>
+              <a:lvl1pPr>
+                <a:defRPr>
+                  <a:solidFill>
+                    <a:schemeClr val="tx1"/>
+                  </a:solidFill>
+                  <a:latin typeface="Calibri" panose="020F0502020204030204" pitchFamily="34" charset="0"/>
+                </a:defRPr>
+              </a:lvl1pPr>
+              <a:lvl2pPr marL="742950" indent="-285750">
+                <a:defRPr>
+                  <a:solidFill>
+                    <a:schemeClr val="tx1"/>
+                  </a:solidFill>
+                  <a:latin typeface="Calibri" panose="020F0502020204030204" pitchFamily="34" charset="0"/>
+                </a:defRPr>
+              </a:lvl2pPr>
+              <a:lvl3pPr marL="1143000" indent="-228600">
+                <a:defRPr>
+                  <a:solidFill>
+                    <a:schemeClr val="tx1"/>
+                  </a:solidFill>
+                  <a:latin typeface="Calibri" panose="020F0502020204030204" pitchFamily="34" charset="0"/>
+                </a:defRPr>
+              </a:lvl3pPr>
+              <a:lvl4pPr marL="1600200" indent="-228600">
+                <a:defRPr>
+                  <a:solidFill>
+                    <a:schemeClr val="tx1"/>
+                  </a:solidFill>
+                  <a:latin typeface="Calibri" panose="020F0502020204030204" pitchFamily="34" charset="0"/>
+                </a:defRPr>
+              </a:lvl4pPr>
+              <a:lvl5pPr marL="2057400" indent="-228600">
+                <a:defRPr>
+                  <a:solidFill>
+                    <a:schemeClr val="tx1"/>
+                  </a:solidFill>
+                  <a:latin typeface="Calibri" panose="020F0502020204030204" pitchFamily="34" charset="0"/>
+                </a:defRPr>
+              </a:lvl5pPr>
+              <a:lvl6pPr marL="2514600" indent="-228600" eaLnBrk="0" fontAlgn="base" hangingPunct="0">
+                <a:spcBef>
+                  <a:spcPct val="0"/>
+                </a:spcBef>
+                <a:spcAft>
+                  <a:spcPct val="0"/>
+                </a:spcAft>
+                <a:defRPr>
+                  <a:solidFill>
+                    <a:schemeClr val="tx1"/>
+                  </a:solidFill>
+                  <a:latin typeface="Calibri" panose="020F0502020204030204" pitchFamily="34" charset="0"/>
+                </a:defRPr>
+              </a:lvl6pPr>
+              <a:lvl7pPr marL="2971800" indent="-228600" eaLnBrk="0" fontAlgn="base" hangingPunct="0">
+                <a:spcBef>
+                  <a:spcPct val="0"/>
+                </a:spcBef>
+                <a:spcAft>
+                  <a:spcPct val="0"/>
+                </a:spcAft>
+                <a:defRPr>
+                  <a:solidFill>
+                    <a:schemeClr val="tx1"/>
+                  </a:solidFill>
+                  <a:latin typeface="Calibri" panose="020F0502020204030204" pitchFamily="34" charset="0"/>
+                </a:defRPr>
+              </a:lvl7pPr>
+              <a:lvl8pPr marL="3429000" indent="-228600" eaLnBrk="0" fontAlgn="base" hangingPunct="0">
+                <a:spcBef>
+                  <a:spcPct val="0"/>
+                </a:spcBef>
+                <a:spcAft>
+                  <a:spcPct val="0"/>
+                </a:spcAft>
+                <a:defRPr>
+                  <a:solidFill>
+                    <a:schemeClr val="tx1"/>
+                  </a:solidFill>
+                  <a:latin typeface="Calibri" panose="020F0502020204030204" pitchFamily="34" charset="0"/>
+                </a:defRPr>
+              </a:lvl8pPr>
+              <a:lvl9pPr marL="3886200" indent="-228600" eaLnBrk="0" fontAlgn="base" hangingPunct="0">
+                <a:spcBef>
+                  <a:spcPct val="0"/>
+                </a:spcBef>
+                <a:spcAft>
+                  <a:spcPct val="0"/>
+                </a:spcAft>
+                <a:defRPr>
+                  <a:solidFill>
+                    <a:schemeClr val="tx1"/>
+                  </a:solidFill>
+                  <a:latin typeface="Calibri" panose="020F0502020204030204" pitchFamily="34" charset="0"/>
+                </a:defRPr>
+              </a:lvl9pPr>
+            </a:lstStyle>
+            <a:p>
+              <a:pPr algn="ctr" eaLnBrk="1" hangingPunct="1"/>
+              <a:r>
+                <a:rPr lang="en-US" altLang="en-US" sz="1200" dirty="0">
+                  <a:latin typeface="Arial" panose="020B0604020202020204" pitchFamily="34" charset="0"/>
+                  <a:ea typeface="Amazon Ember" panose="020B0603020204020204" pitchFamily="34" charset="0"/>
+                  <a:cs typeface="Arial" panose="020B0604020202020204" pitchFamily="34" charset="0"/>
+                </a:rPr>
+                <a:t>Route 53</a:t>
+              </a:r>
+            </a:p>
+          </p:txBody>
+        </p:sp>
+      </p:grpSp>
+      <p:grpSp>
+        <p:nvGrpSpPr>
+          <p:cNvPr id="67" name="グループ化 66">
+            <a:extLst>
+              <a:ext uri="{FF2B5EF4-FFF2-40B4-BE49-F238E27FC236}">
+                <a16:creationId xmlns:a16="http://schemas.microsoft.com/office/drawing/2014/main" id="{B97114D3-E799-70FE-A695-0885914C3499}"/>
+              </a:ext>
+            </a:extLst>
+          </p:cNvPr>
+          <p:cNvGrpSpPr/>
+          <p:nvPr/>
+        </p:nvGrpSpPr>
+        <p:grpSpPr>
+          <a:xfrm>
+            <a:off x="2905360" y="4394084"/>
+            <a:ext cx="1519962" cy="782249"/>
+            <a:chOff x="4487863" y="1184275"/>
+            <a:chExt cx="2292350" cy="1179759"/>
+          </a:xfrm>
+        </p:grpSpPr>
+        <p:pic>
+          <p:nvPicPr>
+            <p:cNvPr id="68" name="Graphic 19" descr="Amazon CloudFront service icon.">
+              <a:extLst>
+                <a:ext uri="{FF2B5EF4-FFF2-40B4-BE49-F238E27FC236}">
+                  <a16:creationId xmlns:a16="http://schemas.microsoft.com/office/drawing/2014/main" id="{0A909277-6AB3-364F-2465-04490B7D0E79}"/>
+                </a:ext>
+              </a:extLst>
+            </p:cNvPr>
+            <p:cNvPicPr>
+              <a:picLocks noChangeAspect="1" noChangeArrowheads="1"/>
+            </p:cNvPicPr>
+            <p:nvPr/>
+          </p:nvPicPr>
+          <p:blipFill>
+            <a:blip r:embed="rId19">
+              <a:extLst>
+                <a:ext uri="{96DAC541-7B7A-43D3-8B79-37D633B846F1}">
+                  <asvg:svgBlip xmlns:asvg="http://schemas.microsoft.com/office/drawing/2016/SVG/main" r:embed="rId20"/>
+                </a:ext>
+              </a:extLst>
+            </a:blip>
+            <a:srcRect/>
+            <a:stretch/>
+          </p:blipFill>
+          <p:spPr bwMode="auto">
+            <a:xfrm>
+              <a:off x="5243513" y="1184275"/>
+              <a:ext cx="762000" cy="762000"/>
+            </a:xfrm>
+            <a:prstGeom prst="rect">
+              <a:avLst/>
+            </a:prstGeom>
+            <a:noFill/>
+            <a:ln>
+              <a:noFill/>
+            </a:ln>
+            <a:extLst>
+              <a:ext uri="{909E8E84-426E-40DD-AFC4-6F175D3DCCD1}">
+                <a14:hiddenFill xmlns:a14="http://schemas.microsoft.com/office/drawing/2010/main">
+                  <a:solidFill>
+                    <a:srgbClr val="FFFFFF"/>
+                  </a:solidFill>
+                </a14:hiddenFill>
+              </a:ext>
+              <a:ext uri="{91240B29-F687-4F45-9708-019B960494DF}">
+                <a14:hiddenLine xmlns:a14="http://schemas.microsoft.com/office/drawing/2010/main" w="9525">
+                  <a:solidFill>
+                    <a:srgbClr val="000000"/>
+                  </a:solidFill>
+                  <a:miter lim="800000"/>
+                  <a:headEnd/>
+                  <a:tailEnd/>
+                </a14:hiddenLine>
+              </a:ext>
+            </a:extLst>
+          </p:spPr>
+        </p:pic>
+        <p:sp>
+          <p:nvSpPr>
+            <p:cNvPr id="69" name="TextBox 11">
+              <a:extLst>
+                <a:ext uri="{FF2B5EF4-FFF2-40B4-BE49-F238E27FC236}">
+                  <a16:creationId xmlns:a16="http://schemas.microsoft.com/office/drawing/2014/main" id="{D917CCD5-8849-9BB5-5B41-E47FD9756C80}"/>
+                </a:ext>
+              </a:extLst>
+            </p:cNvPr>
+            <p:cNvSpPr txBox="1">
+              <a:spLocks noChangeArrowheads="1"/>
+            </p:cNvSpPr>
+            <p:nvPr/>
+          </p:nvSpPr>
+          <p:spPr bwMode="auto">
+            <a:xfrm>
+              <a:off x="4487863" y="1946274"/>
+              <a:ext cx="2292350" cy="417760"/>
+            </a:xfrm>
+            <a:prstGeom prst="rect">
+              <a:avLst/>
+            </a:prstGeom>
+            <a:noFill/>
+            <a:ln>
+              <a:noFill/>
+            </a:ln>
+            <a:extLst>
+              <a:ext uri="{909E8E84-426E-40DD-AFC4-6F175D3DCCD1}">
+                <a14:hiddenFill xmlns:a14="http://schemas.microsoft.com/office/drawing/2010/main">
+                  <a:solidFill>
+                    <a:srgbClr val="FFFFFF"/>
+                  </a:solidFill>
+                </a14:hiddenFill>
+              </a:ext>
+              <a:ext uri="{91240B29-F687-4F45-9708-019B960494DF}">
+                <a14:hiddenLine xmlns:a14="http://schemas.microsoft.com/office/drawing/2010/main" w="9525">
+                  <a:solidFill>
+                    <a:srgbClr val="000000"/>
+                  </a:solidFill>
+                  <a:miter lim="800000"/>
+                  <a:headEnd/>
+                  <a:tailEnd/>
+                </a14:hiddenLine>
+              </a:ext>
+            </a:extLst>
+          </p:spPr>
+          <p:txBody>
+            <a:bodyPr>
+              <a:spAutoFit/>
+            </a:bodyPr>
+            <a:lstStyle>
+              <a:lvl1pPr>
+                <a:defRPr>
+                  <a:solidFill>
+                    <a:schemeClr val="tx1"/>
+                  </a:solidFill>
+                  <a:latin typeface="Calibri" panose="020F0502020204030204" pitchFamily="34" charset="0"/>
+                </a:defRPr>
+              </a:lvl1pPr>
+              <a:lvl2pPr marL="742950" indent="-285750">
+                <a:defRPr>
+                  <a:solidFill>
+                    <a:schemeClr val="tx1"/>
+                  </a:solidFill>
+                  <a:latin typeface="Calibri" panose="020F0502020204030204" pitchFamily="34" charset="0"/>
+                </a:defRPr>
+              </a:lvl2pPr>
+              <a:lvl3pPr marL="1143000" indent="-228600">
+                <a:defRPr>
+                  <a:solidFill>
+                    <a:schemeClr val="tx1"/>
+                  </a:solidFill>
+                  <a:latin typeface="Calibri" panose="020F0502020204030204" pitchFamily="34" charset="0"/>
+                </a:defRPr>
+              </a:lvl3pPr>
+              <a:lvl4pPr marL="1600200" indent="-228600">
+                <a:defRPr>
+                  <a:solidFill>
+                    <a:schemeClr val="tx1"/>
+                  </a:solidFill>
+                  <a:latin typeface="Calibri" panose="020F0502020204030204" pitchFamily="34" charset="0"/>
+                </a:defRPr>
+              </a:lvl4pPr>
+              <a:lvl5pPr marL="2057400" indent="-228600">
+                <a:defRPr>
+                  <a:solidFill>
+                    <a:schemeClr val="tx1"/>
+                  </a:solidFill>
+                  <a:latin typeface="Calibri" panose="020F0502020204030204" pitchFamily="34" charset="0"/>
+                </a:defRPr>
+              </a:lvl5pPr>
+              <a:lvl6pPr marL="2514600" indent="-228600" eaLnBrk="0" fontAlgn="base" hangingPunct="0">
+                <a:spcBef>
+                  <a:spcPct val="0"/>
+                </a:spcBef>
+                <a:spcAft>
+                  <a:spcPct val="0"/>
+                </a:spcAft>
+                <a:defRPr>
+                  <a:solidFill>
+                    <a:schemeClr val="tx1"/>
+                  </a:solidFill>
+                  <a:latin typeface="Calibri" panose="020F0502020204030204" pitchFamily="34" charset="0"/>
+                </a:defRPr>
+              </a:lvl6pPr>
+              <a:lvl7pPr marL="2971800" indent="-228600" eaLnBrk="0" fontAlgn="base" hangingPunct="0">
+                <a:spcBef>
+                  <a:spcPct val="0"/>
+                </a:spcBef>
+                <a:spcAft>
+                  <a:spcPct val="0"/>
+                </a:spcAft>
+                <a:defRPr>
+                  <a:solidFill>
+                    <a:schemeClr val="tx1"/>
+                  </a:solidFill>
+                  <a:latin typeface="Calibri" panose="020F0502020204030204" pitchFamily="34" charset="0"/>
+                </a:defRPr>
+              </a:lvl7pPr>
+              <a:lvl8pPr marL="3429000" indent="-228600" eaLnBrk="0" fontAlgn="base" hangingPunct="0">
+                <a:spcBef>
+                  <a:spcPct val="0"/>
+                </a:spcBef>
+                <a:spcAft>
+                  <a:spcPct val="0"/>
+                </a:spcAft>
+                <a:defRPr>
+                  <a:solidFill>
+                    <a:schemeClr val="tx1"/>
+                  </a:solidFill>
+                  <a:latin typeface="Calibri" panose="020F0502020204030204" pitchFamily="34" charset="0"/>
+                </a:defRPr>
+              </a:lvl8pPr>
+              <a:lvl9pPr marL="3886200" indent="-228600" eaLnBrk="0" fontAlgn="base" hangingPunct="0">
+                <a:spcBef>
+                  <a:spcPct val="0"/>
+                </a:spcBef>
+                <a:spcAft>
+                  <a:spcPct val="0"/>
+                </a:spcAft>
+                <a:defRPr>
+                  <a:solidFill>
+                    <a:schemeClr val="tx1"/>
+                  </a:solidFill>
+                  <a:latin typeface="Calibri" panose="020F0502020204030204" pitchFamily="34" charset="0"/>
+                </a:defRPr>
+              </a:lvl9pPr>
+            </a:lstStyle>
+            <a:p>
+              <a:pPr algn="ctr" eaLnBrk="1" hangingPunct="1"/>
+              <a:r>
+                <a:rPr lang="en-US" altLang="en-US" sz="1200" dirty="0">
+                  <a:latin typeface="Arial" panose="020B0604020202020204" pitchFamily="34" charset="0"/>
+                  <a:ea typeface="Amazon Ember" panose="020B0603020204020204" pitchFamily="34" charset="0"/>
+                  <a:cs typeface="Arial" panose="020B0604020202020204" pitchFamily="34" charset="0"/>
+                </a:rPr>
+                <a:t>CloudFront</a:t>
+              </a:r>
+            </a:p>
+          </p:txBody>
+        </p:sp>
+      </p:grpSp>
+      <p:grpSp>
+        <p:nvGrpSpPr>
+          <p:cNvPr id="70" name="グループ化 69">
+            <a:extLst>
+              <a:ext uri="{FF2B5EF4-FFF2-40B4-BE49-F238E27FC236}">
+                <a16:creationId xmlns:a16="http://schemas.microsoft.com/office/drawing/2014/main" id="{D947283B-46CD-6A22-5EA0-8CE96E0FEB00}"/>
+              </a:ext>
+            </a:extLst>
+          </p:cNvPr>
+          <p:cNvGrpSpPr/>
+          <p:nvPr/>
+        </p:nvGrpSpPr>
+        <p:grpSpPr>
+          <a:xfrm>
+            <a:off x="4348250" y="4354368"/>
+            <a:ext cx="1592772" cy="775606"/>
+            <a:chOff x="1711180" y="4201714"/>
+            <a:chExt cx="2402158" cy="1169740"/>
+          </a:xfrm>
+        </p:grpSpPr>
+        <p:pic>
+          <p:nvPicPr>
+            <p:cNvPr id="71" name="Graphic 86" descr="Bucket resource icon for the Amazon S3 service.">
+              <a:extLst>
+                <a:ext uri="{FF2B5EF4-FFF2-40B4-BE49-F238E27FC236}">
+                  <a16:creationId xmlns:a16="http://schemas.microsoft.com/office/drawing/2014/main" id="{C489D39F-5E03-37AA-653B-84A67ECEB115}"/>
+                </a:ext>
+              </a:extLst>
+            </p:cNvPr>
+            <p:cNvPicPr>
+              <a:picLocks noChangeAspect="1"/>
+            </p:cNvPicPr>
+            <p:nvPr/>
+          </p:nvPicPr>
+          <p:blipFill>
+            <a:blip r:embed="rId21">
+              <a:extLst>
+                <a:ext uri="{96DAC541-7B7A-43D3-8B79-37D633B846F1}">
+                  <asvg:svgBlip xmlns:asvg="http://schemas.microsoft.com/office/drawing/2016/SVG/main" r:embed="rId22"/>
+                </a:ext>
+              </a:extLst>
+            </a:blip>
+            <a:stretch>
+              <a:fillRect/>
+            </a:stretch>
+          </p:blipFill>
+          <p:spPr>
+            <a:xfrm>
+              <a:off x="2660928" y="4201714"/>
+              <a:ext cx="457200" cy="457200"/>
+            </a:xfrm>
+            <a:prstGeom prst="rect">
+              <a:avLst/>
+            </a:prstGeom>
+          </p:spPr>
+        </p:pic>
+        <p:sp>
+          <p:nvSpPr>
+            <p:cNvPr id="72" name="TextBox 21">
+              <a:extLst>
+                <a:ext uri="{FF2B5EF4-FFF2-40B4-BE49-F238E27FC236}">
+                  <a16:creationId xmlns:a16="http://schemas.microsoft.com/office/drawing/2014/main" id="{14E49AA2-2A2B-19B9-DC88-5B07057B41BD}"/>
+                </a:ext>
+              </a:extLst>
+            </p:cNvPr>
+            <p:cNvSpPr txBox="1">
+              <a:spLocks noChangeArrowheads="1"/>
+            </p:cNvSpPr>
+            <p:nvPr/>
+          </p:nvSpPr>
+          <p:spPr bwMode="auto">
+            <a:xfrm>
+              <a:off x="1711180" y="4675188"/>
+              <a:ext cx="2402158" cy="696266"/>
+            </a:xfrm>
+            <a:prstGeom prst="rect">
+              <a:avLst/>
+            </a:prstGeom>
+            <a:noFill/>
+            <a:ln>
+              <a:noFill/>
+            </a:ln>
+            <a:extLst>
+              <a:ext uri="{909E8E84-426E-40DD-AFC4-6F175D3DCCD1}">
+                <a14:hiddenFill xmlns:a14="http://schemas.microsoft.com/office/drawing/2010/main">
+                  <a:solidFill>
+                    <a:srgbClr val="FFFFFF"/>
+                  </a:solidFill>
+                </a14:hiddenFill>
+              </a:ext>
+              <a:ext uri="{91240B29-F687-4F45-9708-019B960494DF}">
+                <a14:hiddenLine xmlns:a14="http://schemas.microsoft.com/office/drawing/2010/main" w="9525">
+                  <a:solidFill>
+                    <a:srgbClr val="000000"/>
+                  </a:solidFill>
+                  <a:miter lim="800000"/>
+                  <a:headEnd/>
+                  <a:tailEnd/>
+                </a14:hiddenLine>
+              </a:ext>
+            </a:extLst>
+          </p:spPr>
+          <p:txBody>
+            <a:bodyPr wrap="square">
+              <a:spAutoFit/>
+            </a:bodyPr>
+            <a:lstStyle>
+              <a:lvl1pPr>
+                <a:defRPr>
+                  <a:solidFill>
+                    <a:schemeClr val="tx1"/>
+                  </a:solidFill>
+                  <a:latin typeface="Calibri" panose="020F0502020204030204" pitchFamily="34" charset="0"/>
+                </a:defRPr>
+              </a:lvl1pPr>
+              <a:lvl2pPr marL="742950" indent="-285750">
+                <a:defRPr>
+                  <a:solidFill>
+                    <a:schemeClr val="tx1"/>
+                  </a:solidFill>
+                  <a:latin typeface="Calibri" panose="020F0502020204030204" pitchFamily="34" charset="0"/>
+                </a:defRPr>
+              </a:lvl2pPr>
+              <a:lvl3pPr marL="1143000" indent="-228600">
+                <a:defRPr>
+                  <a:solidFill>
+                    <a:schemeClr val="tx1"/>
+                  </a:solidFill>
+                  <a:latin typeface="Calibri" panose="020F0502020204030204" pitchFamily="34" charset="0"/>
+                </a:defRPr>
+              </a:lvl3pPr>
+              <a:lvl4pPr marL="1600200" indent="-228600">
+                <a:defRPr>
+                  <a:solidFill>
+                    <a:schemeClr val="tx1"/>
+                  </a:solidFill>
+                  <a:latin typeface="Calibri" panose="020F0502020204030204" pitchFamily="34" charset="0"/>
+                </a:defRPr>
+              </a:lvl4pPr>
+              <a:lvl5pPr marL="2057400" indent="-228600">
+                <a:defRPr>
+                  <a:solidFill>
+                    <a:schemeClr val="tx1"/>
+                  </a:solidFill>
+                  <a:latin typeface="Calibri" panose="020F0502020204030204" pitchFamily="34" charset="0"/>
+                </a:defRPr>
+              </a:lvl5pPr>
+              <a:lvl6pPr marL="2514600" indent="-228600" eaLnBrk="0" fontAlgn="base" hangingPunct="0">
+                <a:spcBef>
+                  <a:spcPct val="0"/>
+                </a:spcBef>
+                <a:spcAft>
+                  <a:spcPct val="0"/>
+                </a:spcAft>
+                <a:defRPr>
+                  <a:solidFill>
+                    <a:schemeClr val="tx1"/>
+                  </a:solidFill>
+                  <a:latin typeface="Calibri" panose="020F0502020204030204" pitchFamily="34" charset="0"/>
+                </a:defRPr>
+              </a:lvl6pPr>
+              <a:lvl7pPr marL="2971800" indent="-228600" eaLnBrk="0" fontAlgn="base" hangingPunct="0">
+                <a:spcBef>
+                  <a:spcPct val="0"/>
+                </a:spcBef>
+                <a:spcAft>
+                  <a:spcPct val="0"/>
+                </a:spcAft>
+                <a:defRPr>
+                  <a:solidFill>
+                    <a:schemeClr val="tx1"/>
+                  </a:solidFill>
+                  <a:latin typeface="Calibri" panose="020F0502020204030204" pitchFamily="34" charset="0"/>
+                </a:defRPr>
+              </a:lvl7pPr>
+              <a:lvl8pPr marL="3429000" indent="-228600" eaLnBrk="0" fontAlgn="base" hangingPunct="0">
+                <a:spcBef>
+                  <a:spcPct val="0"/>
+                </a:spcBef>
+                <a:spcAft>
+                  <a:spcPct val="0"/>
+                </a:spcAft>
+                <a:defRPr>
+                  <a:solidFill>
+                    <a:schemeClr val="tx1"/>
+                  </a:solidFill>
+                  <a:latin typeface="Calibri" panose="020F0502020204030204" pitchFamily="34" charset="0"/>
+                </a:defRPr>
+              </a:lvl8pPr>
+              <a:lvl9pPr marL="3886200" indent="-228600" eaLnBrk="0" fontAlgn="base" hangingPunct="0">
+                <a:spcBef>
+                  <a:spcPct val="0"/>
+                </a:spcBef>
+                <a:spcAft>
+                  <a:spcPct val="0"/>
+                </a:spcAft>
+                <a:defRPr>
+                  <a:solidFill>
+                    <a:schemeClr val="tx1"/>
+                  </a:solidFill>
+                  <a:latin typeface="Calibri" panose="020F0502020204030204" pitchFamily="34" charset="0"/>
+                </a:defRPr>
+              </a:lvl9pPr>
+            </a:lstStyle>
+            <a:p>
+              <a:pPr algn="ctr" eaLnBrk="1" hangingPunct="1"/>
+              <a:r>
+                <a:rPr lang="en-US" altLang="en-US" sz="1200" dirty="0">
+                  <a:latin typeface="Arial" panose="020B0604020202020204" pitchFamily="34" charset="0"/>
+                  <a:ea typeface="Amazon Ember" panose="020B0603020204020204" pitchFamily="34" charset="0"/>
+                  <a:cs typeface="Arial" panose="020B0604020202020204" pitchFamily="34" charset="0"/>
+                </a:rPr>
+                <a:t>Swagger-viewer-deployment-dev</a:t>
+              </a:r>
+            </a:p>
+          </p:txBody>
+        </p:sp>
+      </p:grpSp>
+      <p:pic>
+        <p:nvPicPr>
+          <p:cNvPr id="74" name="図 73">
+            <a:extLst>
+              <a:ext uri="{FF2B5EF4-FFF2-40B4-BE49-F238E27FC236}">
+                <a16:creationId xmlns:a16="http://schemas.microsoft.com/office/drawing/2014/main" id="{CFDCA139-85AA-0849-471F-E05E4CDB01A0}"/>
+              </a:ext>
+            </a:extLst>
+          </p:cNvPr>
+          <p:cNvPicPr>
+            <a:picLocks noChangeAspect="1"/>
+          </p:cNvPicPr>
+          <p:nvPr/>
+        </p:nvPicPr>
+        <p:blipFill>
+          <a:blip r:embed="rId23"/>
+          <a:stretch>
+            <a:fillRect/>
+          </a:stretch>
+        </p:blipFill>
+        <p:spPr>
+          <a:xfrm>
+            <a:off x="5783968" y="5745498"/>
+            <a:ext cx="550839" cy="550839"/>
+          </a:xfrm>
+          <a:prstGeom prst="rect">
+            <a:avLst/>
+          </a:prstGeom>
+        </p:spPr>
+      </p:pic>
+      <p:cxnSp>
+        <p:nvCxnSpPr>
+          <p:cNvPr id="75" name="コネクタ: カギ線 74">
+            <a:extLst>
+              <a:ext uri="{FF2B5EF4-FFF2-40B4-BE49-F238E27FC236}">
+                <a16:creationId xmlns:a16="http://schemas.microsoft.com/office/drawing/2014/main" id="{AEB381E3-5AA5-93D9-1A1A-B03453372656}"/>
+              </a:ext>
+            </a:extLst>
+          </p:cNvPr>
+          <p:cNvCxnSpPr>
+            <a:cxnSpLocks/>
+            <a:stCxn id="74" idx="1"/>
+            <a:endCxn id="72" idx="2"/>
+          </p:cNvCxnSpPr>
+          <p:nvPr/>
+        </p:nvCxnSpPr>
+        <p:spPr>
+          <a:xfrm rot="10800000">
+            <a:off x="5144636" y="5129974"/>
+            <a:ext cx="639332" cy="890944"/>
+          </a:xfrm>
+          <a:prstGeom prst="bentConnector2">
             <a:avLst/>
           </a:prstGeom>
           <a:ln>

--- a/docs/architecture/dev.pptx
+++ b/docs/architecture/dev.pptx
@@ -4697,7 +4697,7 @@
         <p:grpSpPr>
           <a:xfrm>
             <a:off x="1492898" y="446755"/>
-            <a:ext cx="8512822" cy="5057192"/>
+            <a:ext cx="8512822" cy="4423825"/>
             <a:chOff x="355600" y="1512745"/>
             <a:chExt cx="1765300" cy="890588"/>
           </a:xfrm>
@@ -4923,7 +4923,7 @@
           <p:spPr>
             <a:xfrm>
               <a:off x="355600" y="1512745"/>
-              <a:ext cx="90402" cy="73602"/>
+              <a:ext cx="90402" cy="93099"/>
             </a:xfrm>
             <a:prstGeom prst="rect">
               <a:avLst/>
@@ -5045,7 +5045,7 @@
         </p:blipFill>
         <p:spPr>
           <a:xfrm>
-            <a:off x="940462" y="3074613"/>
+            <a:off x="911185" y="2405023"/>
             <a:ext cx="852364" cy="1275342"/>
           </a:xfrm>
           <a:prstGeom prst="rect">
@@ -6741,7 +6741,7 @@
         </p:blipFill>
         <p:spPr>
           <a:xfrm>
-            <a:off x="7423737" y="5745496"/>
+            <a:off x="6747224" y="5099883"/>
             <a:ext cx="550839" cy="550839"/>
           </a:xfrm>
           <a:prstGeom prst="rect">
@@ -6767,8 +6767,8 @@
         </p:nvCxnSpPr>
         <p:spPr>
           <a:xfrm rot="10800000">
-            <a:off x="5956095" y="3809938"/>
-            <a:ext cx="1467643" cy="2210979"/>
+            <a:off x="5956094" y="3809937"/>
+            <a:ext cx="791130" cy="1565366"/>
           </a:xfrm>
           <a:prstGeom prst="bentConnector3">
             <a:avLst>
@@ -7137,780 +7137,6 @@
             <a:ext cx="1161107" cy="10386"/>
           </a:xfrm>
           <a:prstGeom prst="straightConnector1">
-            <a:avLst/>
-          </a:prstGeom>
-          <a:ln>
-            <a:solidFill>
-              <a:schemeClr val="tx1"/>
-            </a:solidFill>
-            <a:tailEnd type="triangle"/>
-          </a:ln>
-        </p:spPr>
-        <p:style>
-          <a:lnRef idx="2">
-            <a:schemeClr val="accent1"/>
-          </a:lnRef>
-          <a:fillRef idx="0">
-            <a:schemeClr val="accent1"/>
-          </a:fillRef>
-          <a:effectRef idx="1">
-            <a:schemeClr val="accent1"/>
-          </a:effectRef>
-          <a:fontRef idx="minor">
-            <a:schemeClr val="tx1"/>
-          </a:fontRef>
-        </p:style>
-      </p:cxnSp>
-      <p:grpSp>
-        <p:nvGrpSpPr>
-          <p:cNvPr id="64" name="グループ化 63">
-            <a:extLst>
-              <a:ext uri="{FF2B5EF4-FFF2-40B4-BE49-F238E27FC236}">
-                <a16:creationId xmlns:a16="http://schemas.microsoft.com/office/drawing/2014/main" id="{9EDB37A8-CA90-EE07-2538-E3D56B209EFE}"/>
-              </a:ext>
-            </a:extLst>
-          </p:cNvPr>
-          <p:cNvGrpSpPr/>
-          <p:nvPr/>
-        </p:nvGrpSpPr>
-        <p:grpSpPr>
-          <a:xfrm>
-            <a:off x="1435035" y="4423592"/>
-            <a:ext cx="1511543" cy="783302"/>
-            <a:chOff x="6786563" y="1182688"/>
-            <a:chExt cx="2279650" cy="1181346"/>
-          </a:xfrm>
-        </p:grpSpPr>
-        <p:pic>
-          <p:nvPicPr>
-            <p:cNvPr id="65" name="Graphic 21" descr="Amazon Route 53 service icon.">
-              <a:extLst>
-                <a:ext uri="{FF2B5EF4-FFF2-40B4-BE49-F238E27FC236}">
-                  <a16:creationId xmlns:a16="http://schemas.microsoft.com/office/drawing/2014/main" id="{D1D96CFF-9936-D3AC-D78E-8A9AFEB5FC33}"/>
-                </a:ext>
-              </a:extLst>
-            </p:cNvPr>
-            <p:cNvPicPr>
-              <a:picLocks noChangeAspect="1" noChangeArrowheads="1"/>
-            </p:cNvPicPr>
-            <p:nvPr/>
-          </p:nvPicPr>
-          <p:blipFill>
-            <a:blip r:embed="rId17">
-              <a:extLst>
-                <a:ext uri="{96DAC541-7B7A-43D3-8B79-37D633B846F1}">
-                  <asvg:svgBlip xmlns:asvg="http://schemas.microsoft.com/office/drawing/2016/SVG/main" r:embed="rId18"/>
-                </a:ext>
-              </a:extLst>
-            </a:blip>
-            <a:srcRect/>
-            <a:stretch/>
-          </p:blipFill>
-          <p:spPr bwMode="auto">
-            <a:xfrm>
-              <a:off x="7534275" y="1182688"/>
-              <a:ext cx="762000" cy="762000"/>
-            </a:xfrm>
-            <a:prstGeom prst="rect">
-              <a:avLst/>
-            </a:prstGeom>
-            <a:noFill/>
-            <a:ln>
-              <a:noFill/>
-            </a:ln>
-            <a:extLst>
-              <a:ext uri="{909E8E84-426E-40DD-AFC4-6F175D3DCCD1}">
-                <a14:hiddenFill xmlns:a14="http://schemas.microsoft.com/office/drawing/2010/main">
-                  <a:solidFill>
-                    <a:srgbClr val="FFFFFF"/>
-                  </a:solidFill>
-                </a14:hiddenFill>
-              </a:ext>
-              <a:ext uri="{91240B29-F687-4F45-9708-019B960494DF}">
-                <a14:hiddenLine xmlns:a14="http://schemas.microsoft.com/office/drawing/2010/main" w="9525">
-                  <a:solidFill>
-                    <a:srgbClr val="000000"/>
-                  </a:solidFill>
-                  <a:miter lim="800000"/>
-                  <a:headEnd/>
-                  <a:tailEnd/>
-                </a14:hiddenLine>
-              </a:ext>
-            </a:extLst>
-          </p:spPr>
-        </p:pic>
-        <p:sp>
-          <p:nvSpPr>
-            <p:cNvPr id="66" name="TextBox 12">
-              <a:extLst>
-                <a:ext uri="{FF2B5EF4-FFF2-40B4-BE49-F238E27FC236}">
-                  <a16:creationId xmlns:a16="http://schemas.microsoft.com/office/drawing/2014/main" id="{51DA0B28-FA67-7319-290A-28270A55BDE6}"/>
-                </a:ext>
-              </a:extLst>
-            </p:cNvPr>
-            <p:cNvSpPr txBox="1">
-              <a:spLocks noChangeArrowheads="1"/>
-            </p:cNvSpPr>
-            <p:nvPr/>
-          </p:nvSpPr>
-          <p:spPr bwMode="auto">
-            <a:xfrm>
-              <a:off x="6786563" y="1946275"/>
-              <a:ext cx="2279650" cy="417759"/>
-            </a:xfrm>
-            <a:prstGeom prst="rect">
-              <a:avLst/>
-            </a:prstGeom>
-            <a:noFill/>
-            <a:ln>
-              <a:noFill/>
-            </a:ln>
-            <a:extLst>
-              <a:ext uri="{909E8E84-426E-40DD-AFC4-6F175D3DCCD1}">
-                <a14:hiddenFill xmlns:a14="http://schemas.microsoft.com/office/drawing/2010/main">
-                  <a:solidFill>
-                    <a:srgbClr val="FFFFFF"/>
-                  </a:solidFill>
-                </a14:hiddenFill>
-              </a:ext>
-              <a:ext uri="{91240B29-F687-4F45-9708-019B960494DF}">
-                <a14:hiddenLine xmlns:a14="http://schemas.microsoft.com/office/drawing/2010/main" w="9525">
-                  <a:solidFill>
-                    <a:srgbClr val="000000"/>
-                  </a:solidFill>
-                  <a:miter lim="800000"/>
-                  <a:headEnd/>
-                  <a:tailEnd/>
-                </a14:hiddenLine>
-              </a:ext>
-            </a:extLst>
-          </p:spPr>
-          <p:txBody>
-            <a:bodyPr>
-              <a:spAutoFit/>
-            </a:bodyPr>
-            <a:lstStyle>
-              <a:lvl1pPr>
-                <a:defRPr>
-                  <a:solidFill>
-                    <a:schemeClr val="tx1"/>
-                  </a:solidFill>
-                  <a:latin typeface="Calibri" panose="020F0502020204030204" pitchFamily="34" charset="0"/>
-                </a:defRPr>
-              </a:lvl1pPr>
-              <a:lvl2pPr marL="742950" indent="-285750">
-                <a:defRPr>
-                  <a:solidFill>
-                    <a:schemeClr val="tx1"/>
-                  </a:solidFill>
-                  <a:latin typeface="Calibri" panose="020F0502020204030204" pitchFamily="34" charset="0"/>
-                </a:defRPr>
-              </a:lvl2pPr>
-              <a:lvl3pPr marL="1143000" indent="-228600">
-                <a:defRPr>
-                  <a:solidFill>
-                    <a:schemeClr val="tx1"/>
-                  </a:solidFill>
-                  <a:latin typeface="Calibri" panose="020F0502020204030204" pitchFamily="34" charset="0"/>
-                </a:defRPr>
-              </a:lvl3pPr>
-              <a:lvl4pPr marL="1600200" indent="-228600">
-                <a:defRPr>
-                  <a:solidFill>
-                    <a:schemeClr val="tx1"/>
-                  </a:solidFill>
-                  <a:latin typeface="Calibri" panose="020F0502020204030204" pitchFamily="34" charset="0"/>
-                </a:defRPr>
-              </a:lvl4pPr>
-              <a:lvl5pPr marL="2057400" indent="-228600">
-                <a:defRPr>
-                  <a:solidFill>
-                    <a:schemeClr val="tx1"/>
-                  </a:solidFill>
-                  <a:latin typeface="Calibri" panose="020F0502020204030204" pitchFamily="34" charset="0"/>
-                </a:defRPr>
-              </a:lvl5pPr>
-              <a:lvl6pPr marL="2514600" indent="-228600" eaLnBrk="0" fontAlgn="base" hangingPunct="0">
-                <a:spcBef>
-                  <a:spcPct val="0"/>
-                </a:spcBef>
-                <a:spcAft>
-                  <a:spcPct val="0"/>
-                </a:spcAft>
-                <a:defRPr>
-                  <a:solidFill>
-                    <a:schemeClr val="tx1"/>
-                  </a:solidFill>
-                  <a:latin typeface="Calibri" panose="020F0502020204030204" pitchFamily="34" charset="0"/>
-                </a:defRPr>
-              </a:lvl6pPr>
-              <a:lvl7pPr marL="2971800" indent="-228600" eaLnBrk="0" fontAlgn="base" hangingPunct="0">
-                <a:spcBef>
-                  <a:spcPct val="0"/>
-                </a:spcBef>
-                <a:spcAft>
-                  <a:spcPct val="0"/>
-                </a:spcAft>
-                <a:defRPr>
-                  <a:solidFill>
-                    <a:schemeClr val="tx1"/>
-                  </a:solidFill>
-                  <a:latin typeface="Calibri" panose="020F0502020204030204" pitchFamily="34" charset="0"/>
-                </a:defRPr>
-              </a:lvl7pPr>
-              <a:lvl8pPr marL="3429000" indent="-228600" eaLnBrk="0" fontAlgn="base" hangingPunct="0">
-                <a:spcBef>
-                  <a:spcPct val="0"/>
-                </a:spcBef>
-                <a:spcAft>
-                  <a:spcPct val="0"/>
-                </a:spcAft>
-                <a:defRPr>
-                  <a:solidFill>
-                    <a:schemeClr val="tx1"/>
-                  </a:solidFill>
-                  <a:latin typeface="Calibri" panose="020F0502020204030204" pitchFamily="34" charset="0"/>
-                </a:defRPr>
-              </a:lvl8pPr>
-              <a:lvl9pPr marL="3886200" indent="-228600" eaLnBrk="0" fontAlgn="base" hangingPunct="0">
-                <a:spcBef>
-                  <a:spcPct val="0"/>
-                </a:spcBef>
-                <a:spcAft>
-                  <a:spcPct val="0"/>
-                </a:spcAft>
-                <a:defRPr>
-                  <a:solidFill>
-                    <a:schemeClr val="tx1"/>
-                  </a:solidFill>
-                  <a:latin typeface="Calibri" panose="020F0502020204030204" pitchFamily="34" charset="0"/>
-                </a:defRPr>
-              </a:lvl9pPr>
-            </a:lstStyle>
-            <a:p>
-              <a:pPr algn="ctr" eaLnBrk="1" hangingPunct="1"/>
-              <a:r>
-                <a:rPr lang="en-US" altLang="en-US" sz="1200" dirty="0">
-                  <a:latin typeface="Arial" panose="020B0604020202020204" pitchFamily="34" charset="0"/>
-                  <a:ea typeface="Amazon Ember" panose="020B0603020204020204" pitchFamily="34" charset="0"/>
-                  <a:cs typeface="Arial" panose="020B0604020202020204" pitchFamily="34" charset="0"/>
-                </a:rPr>
-                <a:t>Route 53</a:t>
-              </a:r>
-            </a:p>
-          </p:txBody>
-        </p:sp>
-      </p:grpSp>
-      <p:grpSp>
-        <p:nvGrpSpPr>
-          <p:cNvPr id="67" name="グループ化 66">
-            <a:extLst>
-              <a:ext uri="{FF2B5EF4-FFF2-40B4-BE49-F238E27FC236}">
-                <a16:creationId xmlns:a16="http://schemas.microsoft.com/office/drawing/2014/main" id="{B97114D3-E799-70FE-A695-0885914C3499}"/>
-              </a:ext>
-            </a:extLst>
-          </p:cNvPr>
-          <p:cNvGrpSpPr/>
-          <p:nvPr/>
-        </p:nvGrpSpPr>
-        <p:grpSpPr>
-          <a:xfrm>
-            <a:off x="2905360" y="4394084"/>
-            <a:ext cx="1519962" cy="782249"/>
-            <a:chOff x="4487863" y="1184275"/>
-            <a:chExt cx="2292350" cy="1179759"/>
-          </a:xfrm>
-        </p:grpSpPr>
-        <p:pic>
-          <p:nvPicPr>
-            <p:cNvPr id="68" name="Graphic 19" descr="Amazon CloudFront service icon.">
-              <a:extLst>
-                <a:ext uri="{FF2B5EF4-FFF2-40B4-BE49-F238E27FC236}">
-                  <a16:creationId xmlns:a16="http://schemas.microsoft.com/office/drawing/2014/main" id="{0A909277-6AB3-364F-2465-04490B7D0E79}"/>
-                </a:ext>
-              </a:extLst>
-            </p:cNvPr>
-            <p:cNvPicPr>
-              <a:picLocks noChangeAspect="1" noChangeArrowheads="1"/>
-            </p:cNvPicPr>
-            <p:nvPr/>
-          </p:nvPicPr>
-          <p:blipFill>
-            <a:blip r:embed="rId19">
-              <a:extLst>
-                <a:ext uri="{96DAC541-7B7A-43D3-8B79-37D633B846F1}">
-                  <asvg:svgBlip xmlns:asvg="http://schemas.microsoft.com/office/drawing/2016/SVG/main" r:embed="rId20"/>
-                </a:ext>
-              </a:extLst>
-            </a:blip>
-            <a:srcRect/>
-            <a:stretch/>
-          </p:blipFill>
-          <p:spPr bwMode="auto">
-            <a:xfrm>
-              <a:off x="5243513" y="1184275"/>
-              <a:ext cx="762000" cy="762000"/>
-            </a:xfrm>
-            <a:prstGeom prst="rect">
-              <a:avLst/>
-            </a:prstGeom>
-            <a:noFill/>
-            <a:ln>
-              <a:noFill/>
-            </a:ln>
-            <a:extLst>
-              <a:ext uri="{909E8E84-426E-40DD-AFC4-6F175D3DCCD1}">
-                <a14:hiddenFill xmlns:a14="http://schemas.microsoft.com/office/drawing/2010/main">
-                  <a:solidFill>
-                    <a:srgbClr val="FFFFFF"/>
-                  </a:solidFill>
-                </a14:hiddenFill>
-              </a:ext>
-              <a:ext uri="{91240B29-F687-4F45-9708-019B960494DF}">
-                <a14:hiddenLine xmlns:a14="http://schemas.microsoft.com/office/drawing/2010/main" w="9525">
-                  <a:solidFill>
-                    <a:srgbClr val="000000"/>
-                  </a:solidFill>
-                  <a:miter lim="800000"/>
-                  <a:headEnd/>
-                  <a:tailEnd/>
-                </a14:hiddenLine>
-              </a:ext>
-            </a:extLst>
-          </p:spPr>
-        </p:pic>
-        <p:sp>
-          <p:nvSpPr>
-            <p:cNvPr id="69" name="TextBox 11">
-              <a:extLst>
-                <a:ext uri="{FF2B5EF4-FFF2-40B4-BE49-F238E27FC236}">
-                  <a16:creationId xmlns:a16="http://schemas.microsoft.com/office/drawing/2014/main" id="{D917CCD5-8849-9BB5-5B41-E47FD9756C80}"/>
-                </a:ext>
-              </a:extLst>
-            </p:cNvPr>
-            <p:cNvSpPr txBox="1">
-              <a:spLocks noChangeArrowheads="1"/>
-            </p:cNvSpPr>
-            <p:nvPr/>
-          </p:nvSpPr>
-          <p:spPr bwMode="auto">
-            <a:xfrm>
-              <a:off x="4487863" y="1946274"/>
-              <a:ext cx="2292350" cy="417760"/>
-            </a:xfrm>
-            <a:prstGeom prst="rect">
-              <a:avLst/>
-            </a:prstGeom>
-            <a:noFill/>
-            <a:ln>
-              <a:noFill/>
-            </a:ln>
-            <a:extLst>
-              <a:ext uri="{909E8E84-426E-40DD-AFC4-6F175D3DCCD1}">
-                <a14:hiddenFill xmlns:a14="http://schemas.microsoft.com/office/drawing/2010/main">
-                  <a:solidFill>
-                    <a:srgbClr val="FFFFFF"/>
-                  </a:solidFill>
-                </a14:hiddenFill>
-              </a:ext>
-              <a:ext uri="{91240B29-F687-4F45-9708-019B960494DF}">
-                <a14:hiddenLine xmlns:a14="http://schemas.microsoft.com/office/drawing/2010/main" w="9525">
-                  <a:solidFill>
-                    <a:srgbClr val="000000"/>
-                  </a:solidFill>
-                  <a:miter lim="800000"/>
-                  <a:headEnd/>
-                  <a:tailEnd/>
-                </a14:hiddenLine>
-              </a:ext>
-            </a:extLst>
-          </p:spPr>
-          <p:txBody>
-            <a:bodyPr>
-              <a:spAutoFit/>
-            </a:bodyPr>
-            <a:lstStyle>
-              <a:lvl1pPr>
-                <a:defRPr>
-                  <a:solidFill>
-                    <a:schemeClr val="tx1"/>
-                  </a:solidFill>
-                  <a:latin typeface="Calibri" panose="020F0502020204030204" pitchFamily="34" charset="0"/>
-                </a:defRPr>
-              </a:lvl1pPr>
-              <a:lvl2pPr marL="742950" indent="-285750">
-                <a:defRPr>
-                  <a:solidFill>
-                    <a:schemeClr val="tx1"/>
-                  </a:solidFill>
-                  <a:latin typeface="Calibri" panose="020F0502020204030204" pitchFamily="34" charset="0"/>
-                </a:defRPr>
-              </a:lvl2pPr>
-              <a:lvl3pPr marL="1143000" indent="-228600">
-                <a:defRPr>
-                  <a:solidFill>
-                    <a:schemeClr val="tx1"/>
-                  </a:solidFill>
-                  <a:latin typeface="Calibri" panose="020F0502020204030204" pitchFamily="34" charset="0"/>
-                </a:defRPr>
-              </a:lvl3pPr>
-              <a:lvl4pPr marL="1600200" indent="-228600">
-                <a:defRPr>
-                  <a:solidFill>
-                    <a:schemeClr val="tx1"/>
-                  </a:solidFill>
-                  <a:latin typeface="Calibri" panose="020F0502020204030204" pitchFamily="34" charset="0"/>
-                </a:defRPr>
-              </a:lvl4pPr>
-              <a:lvl5pPr marL="2057400" indent="-228600">
-                <a:defRPr>
-                  <a:solidFill>
-                    <a:schemeClr val="tx1"/>
-                  </a:solidFill>
-                  <a:latin typeface="Calibri" panose="020F0502020204030204" pitchFamily="34" charset="0"/>
-                </a:defRPr>
-              </a:lvl5pPr>
-              <a:lvl6pPr marL="2514600" indent="-228600" eaLnBrk="0" fontAlgn="base" hangingPunct="0">
-                <a:spcBef>
-                  <a:spcPct val="0"/>
-                </a:spcBef>
-                <a:spcAft>
-                  <a:spcPct val="0"/>
-                </a:spcAft>
-                <a:defRPr>
-                  <a:solidFill>
-                    <a:schemeClr val="tx1"/>
-                  </a:solidFill>
-                  <a:latin typeface="Calibri" panose="020F0502020204030204" pitchFamily="34" charset="0"/>
-                </a:defRPr>
-              </a:lvl6pPr>
-              <a:lvl7pPr marL="2971800" indent="-228600" eaLnBrk="0" fontAlgn="base" hangingPunct="0">
-                <a:spcBef>
-                  <a:spcPct val="0"/>
-                </a:spcBef>
-                <a:spcAft>
-                  <a:spcPct val="0"/>
-                </a:spcAft>
-                <a:defRPr>
-                  <a:solidFill>
-                    <a:schemeClr val="tx1"/>
-                  </a:solidFill>
-                  <a:latin typeface="Calibri" panose="020F0502020204030204" pitchFamily="34" charset="0"/>
-                </a:defRPr>
-              </a:lvl7pPr>
-              <a:lvl8pPr marL="3429000" indent="-228600" eaLnBrk="0" fontAlgn="base" hangingPunct="0">
-                <a:spcBef>
-                  <a:spcPct val="0"/>
-                </a:spcBef>
-                <a:spcAft>
-                  <a:spcPct val="0"/>
-                </a:spcAft>
-                <a:defRPr>
-                  <a:solidFill>
-                    <a:schemeClr val="tx1"/>
-                  </a:solidFill>
-                  <a:latin typeface="Calibri" panose="020F0502020204030204" pitchFamily="34" charset="0"/>
-                </a:defRPr>
-              </a:lvl8pPr>
-              <a:lvl9pPr marL="3886200" indent="-228600" eaLnBrk="0" fontAlgn="base" hangingPunct="0">
-                <a:spcBef>
-                  <a:spcPct val="0"/>
-                </a:spcBef>
-                <a:spcAft>
-                  <a:spcPct val="0"/>
-                </a:spcAft>
-                <a:defRPr>
-                  <a:solidFill>
-                    <a:schemeClr val="tx1"/>
-                  </a:solidFill>
-                  <a:latin typeface="Calibri" panose="020F0502020204030204" pitchFamily="34" charset="0"/>
-                </a:defRPr>
-              </a:lvl9pPr>
-            </a:lstStyle>
-            <a:p>
-              <a:pPr algn="ctr" eaLnBrk="1" hangingPunct="1"/>
-              <a:r>
-                <a:rPr lang="en-US" altLang="en-US" sz="1200" dirty="0">
-                  <a:latin typeface="Arial" panose="020B0604020202020204" pitchFamily="34" charset="0"/>
-                  <a:ea typeface="Amazon Ember" panose="020B0603020204020204" pitchFamily="34" charset="0"/>
-                  <a:cs typeface="Arial" panose="020B0604020202020204" pitchFamily="34" charset="0"/>
-                </a:rPr>
-                <a:t>CloudFront</a:t>
-              </a:r>
-            </a:p>
-          </p:txBody>
-        </p:sp>
-      </p:grpSp>
-      <p:grpSp>
-        <p:nvGrpSpPr>
-          <p:cNvPr id="70" name="グループ化 69">
-            <a:extLst>
-              <a:ext uri="{FF2B5EF4-FFF2-40B4-BE49-F238E27FC236}">
-                <a16:creationId xmlns:a16="http://schemas.microsoft.com/office/drawing/2014/main" id="{D947283B-46CD-6A22-5EA0-8CE96E0FEB00}"/>
-              </a:ext>
-            </a:extLst>
-          </p:cNvPr>
-          <p:cNvGrpSpPr/>
-          <p:nvPr/>
-        </p:nvGrpSpPr>
-        <p:grpSpPr>
-          <a:xfrm>
-            <a:off x="4348250" y="4354368"/>
-            <a:ext cx="1592772" cy="775606"/>
-            <a:chOff x="1711180" y="4201714"/>
-            <a:chExt cx="2402158" cy="1169740"/>
-          </a:xfrm>
-        </p:grpSpPr>
-        <p:pic>
-          <p:nvPicPr>
-            <p:cNvPr id="71" name="Graphic 86" descr="Bucket resource icon for the Amazon S3 service.">
-              <a:extLst>
-                <a:ext uri="{FF2B5EF4-FFF2-40B4-BE49-F238E27FC236}">
-                  <a16:creationId xmlns:a16="http://schemas.microsoft.com/office/drawing/2014/main" id="{C489D39F-5E03-37AA-653B-84A67ECEB115}"/>
-                </a:ext>
-              </a:extLst>
-            </p:cNvPr>
-            <p:cNvPicPr>
-              <a:picLocks noChangeAspect="1"/>
-            </p:cNvPicPr>
-            <p:nvPr/>
-          </p:nvPicPr>
-          <p:blipFill>
-            <a:blip r:embed="rId21">
-              <a:extLst>
-                <a:ext uri="{96DAC541-7B7A-43D3-8B79-37D633B846F1}">
-                  <asvg:svgBlip xmlns:asvg="http://schemas.microsoft.com/office/drawing/2016/SVG/main" r:embed="rId22"/>
-                </a:ext>
-              </a:extLst>
-            </a:blip>
-            <a:stretch>
-              <a:fillRect/>
-            </a:stretch>
-          </p:blipFill>
-          <p:spPr>
-            <a:xfrm>
-              <a:off x="2660928" y="4201714"/>
-              <a:ext cx="457200" cy="457200"/>
-            </a:xfrm>
-            <a:prstGeom prst="rect">
-              <a:avLst/>
-            </a:prstGeom>
-          </p:spPr>
-        </p:pic>
-        <p:sp>
-          <p:nvSpPr>
-            <p:cNvPr id="72" name="TextBox 21">
-              <a:extLst>
-                <a:ext uri="{FF2B5EF4-FFF2-40B4-BE49-F238E27FC236}">
-                  <a16:creationId xmlns:a16="http://schemas.microsoft.com/office/drawing/2014/main" id="{14E49AA2-2A2B-19B9-DC88-5B07057B41BD}"/>
-                </a:ext>
-              </a:extLst>
-            </p:cNvPr>
-            <p:cNvSpPr txBox="1">
-              <a:spLocks noChangeArrowheads="1"/>
-            </p:cNvSpPr>
-            <p:nvPr/>
-          </p:nvSpPr>
-          <p:spPr bwMode="auto">
-            <a:xfrm>
-              <a:off x="1711180" y="4675188"/>
-              <a:ext cx="2402158" cy="696266"/>
-            </a:xfrm>
-            <a:prstGeom prst="rect">
-              <a:avLst/>
-            </a:prstGeom>
-            <a:noFill/>
-            <a:ln>
-              <a:noFill/>
-            </a:ln>
-            <a:extLst>
-              <a:ext uri="{909E8E84-426E-40DD-AFC4-6F175D3DCCD1}">
-                <a14:hiddenFill xmlns:a14="http://schemas.microsoft.com/office/drawing/2010/main">
-                  <a:solidFill>
-                    <a:srgbClr val="FFFFFF"/>
-                  </a:solidFill>
-                </a14:hiddenFill>
-              </a:ext>
-              <a:ext uri="{91240B29-F687-4F45-9708-019B960494DF}">
-                <a14:hiddenLine xmlns:a14="http://schemas.microsoft.com/office/drawing/2010/main" w="9525">
-                  <a:solidFill>
-                    <a:srgbClr val="000000"/>
-                  </a:solidFill>
-                  <a:miter lim="800000"/>
-                  <a:headEnd/>
-                  <a:tailEnd/>
-                </a14:hiddenLine>
-              </a:ext>
-            </a:extLst>
-          </p:spPr>
-          <p:txBody>
-            <a:bodyPr wrap="square">
-              <a:spAutoFit/>
-            </a:bodyPr>
-            <a:lstStyle>
-              <a:lvl1pPr>
-                <a:defRPr>
-                  <a:solidFill>
-                    <a:schemeClr val="tx1"/>
-                  </a:solidFill>
-                  <a:latin typeface="Calibri" panose="020F0502020204030204" pitchFamily="34" charset="0"/>
-                </a:defRPr>
-              </a:lvl1pPr>
-              <a:lvl2pPr marL="742950" indent="-285750">
-                <a:defRPr>
-                  <a:solidFill>
-                    <a:schemeClr val="tx1"/>
-                  </a:solidFill>
-                  <a:latin typeface="Calibri" panose="020F0502020204030204" pitchFamily="34" charset="0"/>
-                </a:defRPr>
-              </a:lvl2pPr>
-              <a:lvl3pPr marL="1143000" indent="-228600">
-                <a:defRPr>
-                  <a:solidFill>
-                    <a:schemeClr val="tx1"/>
-                  </a:solidFill>
-                  <a:latin typeface="Calibri" panose="020F0502020204030204" pitchFamily="34" charset="0"/>
-                </a:defRPr>
-              </a:lvl3pPr>
-              <a:lvl4pPr marL="1600200" indent="-228600">
-                <a:defRPr>
-                  <a:solidFill>
-                    <a:schemeClr val="tx1"/>
-                  </a:solidFill>
-                  <a:latin typeface="Calibri" panose="020F0502020204030204" pitchFamily="34" charset="0"/>
-                </a:defRPr>
-              </a:lvl4pPr>
-              <a:lvl5pPr marL="2057400" indent="-228600">
-                <a:defRPr>
-                  <a:solidFill>
-                    <a:schemeClr val="tx1"/>
-                  </a:solidFill>
-                  <a:latin typeface="Calibri" panose="020F0502020204030204" pitchFamily="34" charset="0"/>
-                </a:defRPr>
-              </a:lvl5pPr>
-              <a:lvl6pPr marL="2514600" indent="-228600" eaLnBrk="0" fontAlgn="base" hangingPunct="0">
-                <a:spcBef>
-                  <a:spcPct val="0"/>
-                </a:spcBef>
-                <a:spcAft>
-                  <a:spcPct val="0"/>
-                </a:spcAft>
-                <a:defRPr>
-                  <a:solidFill>
-                    <a:schemeClr val="tx1"/>
-                  </a:solidFill>
-                  <a:latin typeface="Calibri" panose="020F0502020204030204" pitchFamily="34" charset="0"/>
-                </a:defRPr>
-              </a:lvl6pPr>
-              <a:lvl7pPr marL="2971800" indent="-228600" eaLnBrk="0" fontAlgn="base" hangingPunct="0">
-                <a:spcBef>
-                  <a:spcPct val="0"/>
-                </a:spcBef>
-                <a:spcAft>
-                  <a:spcPct val="0"/>
-                </a:spcAft>
-                <a:defRPr>
-                  <a:solidFill>
-                    <a:schemeClr val="tx1"/>
-                  </a:solidFill>
-                  <a:latin typeface="Calibri" panose="020F0502020204030204" pitchFamily="34" charset="0"/>
-                </a:defRPr>
-              </a:lvl7pPr>
-              <a:lvl8pPr marL="3429000" indent="-228600" eaLnBrk="0" fontAlgn="base" hangingPunct="0">
-                <a:spcBef>
-                  <a:spcPct val="0"/>
-                </a:spcBef>
-                <a:spcAft>
-                  <a:spcPct val="0"/>
-                </a:spcAft>
-                <a:defRPr>
-                  <a:solidFill>
-                    <a:schemeClr val="tx1"/>
-                  </a:solidFill>
-                  <a:latin typeface="Calibri" panose="020F0502020204030204" pitchFamily="34" charset="0"/>
-                </a:defRPr>
-              </a:lvl8pPr>
-              <a:lvl9pPr marL="3886200" indent="-228600" eaLnBrk="0" fontAlgn="base" hangingPunct="0">
-                <a:spcBef>
-                  <a:spcPct val="0"/>
-                </a:spcBef>
-                <a:spcAft>
-                  <a:spcPct val="0"/>
-                </a:spcAft>
-                <a:defRPr>
-                  <a:solidFill>
-                    <a:schemeClr val="tx1"/>
-                  </a:solidFill>
-                  <a:latin typeface="Calibri" panose="020F0502020204030204" pitchFamily="34" charset="0"/>
-                </a:defRPr>
-              </a:lvl9pPr>
-            </a:lstStyle>
-            <a:p>
-              <a:pPr algn="ctr" eaLnBrk="1" hangingPunct="1"/>
-              <a:r>
-                <a:rPr lang="en-US" altLang="en-US" sz="1200" dirty="0">
-                  <a:latin typeface="Arial" panose="020B0604020202020204" pitchFamily="34" charset="0"/>
-                  <a:ea typeface="Amazon Ember" panose="020B0603020204020204" pitchFamily="34" charset="0"/>
-                  <a:cs typeface="Arial" panose="020B0604020202020204" pitchFamily="34" charset="0"/>
-                </a:rPr>
-                <a:t>Swagger-viewer-deployment-dev</a:t>
-              </a:r>
-            </a:p>
-          </p:txBody>
-        </p:sp>
-      </p:grpSp>
-      <p:pic>
-        <p:nvPicPr>
-          <p:cNvPr id="74" name="図 73">
-            <a:extLst>
-              <a:ext uri="{FF2B5EF4-FFF2-40B4-BE49-F238E27FC236}">
-                <a16:creationId xmlns:a16="http://schemas.microsoft.com/office/drawing/2014/main" id="{CFDCA139-85AA-0849-471F-E05E4CDB01A0}"/>
-              </a:ext>
-            </a:extLst>
-          </p:cNvPr>
-          <p:cNvPicPr>
-            <a:picLocks noChangeAspect="1"/>
-          </p:cNvPicPr>
-          <p:nvPr/>
-        </p:nvPicPr>
-        <p:blipFill>
-          <a:blip r:embed="rId23"/>
-          <a:stretch>
-            <a:fillRect/>
-          </a:stretch>
-        </p:blipFill>
-        <p:spPr>
-          <a:xfrm>
-            <a:off x="5783968" y="5745498"/>
-            <a:ext cx="550839" cy="550839"/>
-          </a:xfrm>
-          <a:prstGeom prst="rect">
-            <a:avLst/>
-          </a:prstGeom>
-        </p:spPr>
-      </p:pic>
-      <p:cxnSp>
-        <p:nvCxnSpPr>
-          <p:cNvPr id="75" name="コネクタ: カギ線 74">
-            <a:extLst>
-              <a:ext uri="{FF2B5EF4-FFF2-40B4-BE49-F238E27FC236}">
-                <a16:creationId xmlns:a16="http://schemas.microsoft.com/office/drawing/2014/main" id="{AEB381E3-5AA5-93D9-1A1A-B03453372656}"/>
-              </a:ext>
-            </a:extLst>
-          </p:cNvPr>
-          <p:cNvCxnSpPr>
-            <a:cxnSpLocks/>
-            <a:stCxn id="74" idx="1"/>
-            <a:endCxn id="72" idx="2"/>
-          </p:cNvCxnSpPr>
-          <p:nvPr/>
-        </p:nvCxnSpPr>
-        <p:spPr>
-          <a:xfrm rot="10800000">
-            <a:off x="5144636" y="5129974"/>
-            <a:ext cx="639332" cy="890944"/>
-          </a:xfrm>
-          <a:prstGeom prst="bentConnector2">
             <a:avLst/>
           </a:prstGeom>
           <a:ln>
